--- a/_book/plot/unnamed-chunk-104-1.pptx
+++ b/_book/plot/unnamed-chunk-104-1.pptx
@@ -3192,8 +3192,8 @@
           </p:nvSpPr>
           <p:spPr>
             <a:xfrm>
-              <a:off x="2023549" y="1590617"/>
-              <a:ext cx="6913543" cy="4048310"/>
+              <a:off x="2217943" y="1809173"/>
+              <a:ext cx="2193323" cy="3464924"/>
             </a:xfrm>
             <a:prstGeom prst="rect">
               <a:avLst/>
@@ -3218,28 +3218,28 @@
           </p:nvSpPr>
           <p:spPr>
             <a:xfrm>
-              <a:off x="2979271" y="1590617"/>
-              <a:ext cx="0" cy="4048310"/>
+              <a:off x="2217943" y="4733581"/>
+              <a:ext cx="2193323" cy="0"/>
             </a:xfrm>
             <a:custGeom>
               <a:avLst/>
               <a:pathLst>
-                <a:path w="0" h="4048310">
+                <a:path w="2193323" h="0">
                   <a:moveTo>
-                    <a:pt x="0" y="4048310"/>
+                    <a:pt x="0" y="0"/>
                   </a:moveTo>
                   <a:lnTo>
-                    <a:pt x="0" y="0"/>
-                  </a:lnTo>
-                  <a:lnTo>
-                    <a:pt x="0" y="0"/>
+                    <a:pt x="2193323" y="0"/>
+                  </a:lnTo>
+                  <a:lnTo>
+                    <a:pt x="2193323" y="0"/>
                   </a:lnTo>
                 </a:path>
               </a:pathLst>
             </a:custGeom>
-            <a:ln w="3387" cap="flat">
+            <a:ln w="6775" cap="flat">
               <a:solidFill>
-                <a:srgbClr val="DEDEDE">
+                <a:srgbClr val="EBEBEB">
                   <a:alpha val="100000"/>
                 </a:srgbClr>
               </a:solidFill>
@@ -3261,28 +3261,28 @@
           </p:nvSpPr>
           <p:spPr>
             <a:xfrm>
-              <a:off x="4890716" y="1590617"/>
-              <a:ext cx="0" cy="4048310"/>
+              <a:off x="2217943" y="3967541"/>
+              <a:ext cx="2193323" cy="0"/>
             </a:xfrm>
             <a:custGeom>
               <a:avLst/>
               <a:pathLst>
-                <a:path w="0" h="4048310">
+                <a:path w="2193323" h="0">
                   <a:moveTo>
-                    <a:pt x="0" y="4048310"/>
+                    <a:pt x="0" y="0"/>
                   </a:moveTo>
                   <a:lnTo>
-                    <a:pt x="0" y="0"/>
-                  </a:lnTo>
-                  <a:lnTo>
-                    <a:pt x="0" y="0"/>
+                    <a:pt x="2193323" y="0"/>
+                  </a:lnTo>
+                  <a:lnTo>
+                    <a:pt x="2193323" y="0"/>
                   </a:lnTo>
                 </a:path>
               </a:pathLst>
             </a:custGeom>
-            <a:ln w="3387" cap="flat">
+            <a:ln w="6775" cap="flat">
               <a:solidFill>
-                <a:srgbClr val="DEDEDE">
+                <a:srgbClr val="EBEBEB">
                   <a:alpha val="100000"/>
                 </a:srgbClr>
               </a:solidFill>
@@ -3304,28 +3304,28 @@
           </p:nvSpPr>
           <p:spPr>
             <a:xfrm>
-              <a:off x="6802161" y="1590617"/>
-              <a:ext cx="0" cy="4048310"/>
+              <a:off x="2217943" y="3201501"/>
+              <a:ext cx="2193323" cy="0"/>
             </a:xfrm>
             <a:custGeom>
               <a:avLst/>
               <a:pathLst>
-                <a:path w="0" h="4048310">
+                <a:path w="2193323" h="0">
                   <a:moveTo>
-                    <a:pt x="0" y="4048310"/>
+                    <a:pt x="0" y="0"/>
                   </a:moveTo>
                   <a:lnTo>
-                    <a:pt x="0" y="0"/>
-                  </a:lnTo>
-                  <a:lnTo>
-                    <a:pt x="0" y="0"/>
+                    <a:pt x="2193323" y="0"/>
+                  </a:lnTo>
+                  <a:lnTo>
+                    <a:pt x="2193323" y="0"/>
                   </a:lnTo>
                 </a:path>
               </a:pathLst>
             </a:custGeom>
-            <a:ln w="3387" cap="flat">
+            <a:ln w="6775" cap="flat">
               <a:solidFill>
-                <a:srgbClr val="DEDEDE">
+                <a:srgbClr val="EBEBEB">
                   <a:alpha val="100000"/>
                 </a:srgbClr>
               </a:solidFill>
@@ -3347,28 +3347,28 @@
           </p:nvSpPr>
           <p:spPr>
             <a:xfrm>
-              <a:off x="8713606" y="1590617"/>
-              <a:ext cx="0" cy="4048310"/>
+              <a:off x="2217943" y="2435462"/>
+              <a:ext cx="2193323" cy="0"/>
             </a:xfrm>
             <a:custGeom>
               <a:avLst/>
               <a:pathLst>
-                <a:path w="0" h="4048310">
+                <a:path w="2193323" h="0">
                   <a:moveTo>
-                    <a:pt x="0" y="4048310"/>
+                    <a:pt x="0" y="0"/>
                   </a:moveTo>
                   <a:lnTo>
-                    <a:pt x="0" y="0"/>
-                  </a:lnTo>
-                  <a:lnTo>
-                    <a:pt x="0" y="0"/>
+                    <a:pt x="2193323" y="0"/>
+                  </a:lnTo>
+                  <a:lnTo>
+                    <a:pt x="2193323" y="0"/>
                   </a:lnTo>
                 </a:path>
               </a:pathLst>
             </a:custGeom>
-            <a:ln w="3387" cap="flat">
+            <a:ln w="6775" cap="flat">
               <a:solidFill>
-                <a:srgbClr val="DEDEDE">
+                <a:srgbClr val="EBEBEB">
                   <a:alpha val="100000"/>
                 </a:srgbClr>
               </a:solidFill>
@@ -3390,28 +3390,28 @@
           </p:nvSpPr>
           <p:spPr>
             <a:xfrm>
-              <a:off x="2023549" y="5301568"/>
-              <a:ext cx="6913543" cy="0"/>
+              <a:off x="2217943" y="5116600"/>
+              <a:ext cx="2193323" cy="0"/>
             </a:xfrm>
             <a:custGeom>
               <a:avLst/>
               <a:pathLst>
-                <a:path w="6913543" h="0">
+                <a:path w="2193323" h="0">
                   <a:moveTo>
                     <a:pt x="0" y="0"/>
                   </a:moveTo>
                   <a:lnTo>
-                    <a:pt x="6913543" y="0"/>
-                  </a:lnTo>
-                  <a:lnTo>
-                    <a:pt x="6913543" y="0"/>
+                    <a:pt x="2193323" y="0"/>
+                  </a:lnTo>
+                  <a:lnTo>
+                    <a:pt x="2193323" y="0"/>
                   </a:lnTo>
                 </a:path>
               </a:pathLst>
             </a:custGeom>
-            <a:ln w="6775" cap="flat">
+            <a:ln w="13550" cap="flat">
               <a:solidFill>
-                <a:srgbClr val="DEDEDE">
+                <a:srgbClr val="EBEBEB">
                   <a:alpha val="100000"/>
                 </a:srgbClr>
               </a:solidFill>
@@ -3433,28 +3433,28 @@
           </p:nvSpPr>
           <p:spPr>
             <a:xfrm>
-              <a:off x="2023549" y="4739303"/>
-              <a:ext cx="6913543" cy="0"/>
+              <a:off x="2217943" y="4350561"/>
+              <a:ext cx="2193323" cy="0"/>
             </a:xfrm>
             <a:custGeom>
               <a:avLst/>
               <a:pathLst>
-                <a:path w="6913543" h="0">
+                <a:path w="2193323" h="0">
                   <a:moveTo>
                     <a:pt x="0" y="0"/>
                   </a:moveTo>
                   <a:lnTo>
-                    <a:pt x="6913543" y="0"/>
-                  </a:lnTo>
-                  <a:lnTo>
-                    <a:pt x="6913543" y="0"/>
+                    <a:pt x="2193323" y="0"/>
+                  </a:lnTo>
+                  <a:lnTo>
+                    <a:pt x="2193323" y="0"/>
                   </a:lnTo>
                 </a:path>
               </a:pathLst>
             </a:custGeom>
-            <a:ln w="6775" cap="flat">
+            <a:ln w="13550" cap="flat">
               <a:solidFill>
-                <a:srgbClr val="DEDEDE">
+                <a:srgbClr val="EBEBEB">
                   <a:alpha val="100000"/>
                 </a:srgbClr>
               </a:solidFill>
@@ -3476,28 +3476,28 @@
           </p:nvSpPr>
           <p:spPr>
             <a:xfrm>
-              <a:off x="2023549" y="4177037"/>
-              <a:ext cx="6913543" cy="0"/>
+              <a:off x="2217943" y="3584521"/>
+              <a:ext cx="2193323" cy="0"/>
             </a:xfrm>
             <a:custGeom>
               <a:avLst/>
               <a:pathLst>
-                <a:path w="6913543" h="0">
+                <a:path w="2193323" h="0">
                   <a:moveTo>
                     <a:pt x="0" y="0"/>
                   </a:moveTo>
                   <a:lnTo>
-                    <a:pt x="6913543" y="0"/>
-                  </a:lnTo>
-                  <a:lnTo>
-                    <a:pt x="6913543" y="0"/>
+                    <a:pt x="2193323" y="0"/>
+                  </a:lnTo>
+                  <a:lnTo>
+                    <a:pt x="2193323" y="0"/>
                   </a:lnTo>
                 </a:path>
               </a:pathLst>
             </a:custGeom>
-            <a:ln w="6775" cap="flat">
+            <a:ln w="13550" cap="flat">
               <a:solidFill>
-                <a:srgbClr val="DEDEDE">
+                <a:srgbClr val="EBEBEB">
                   <a:alpha val="100000"/>
                 </a:srgbClr>
               </a:solidFill>
@@ -3519,28 +3519,28 @@
           </p:nvSpPr>
           <p:spPr>
             <a:xfrm>
-              <a:off x="2023549" y="3614772"/>
-              <a:ext cx="6913543" cy="0"/>
+              <a:off x="2217943" y="2818482"/>
+              <a:ext cx="2193323" cy="0"/>
             </a:xfrm>
             <a:custGeom>
               <a:avLst/>
               <a:pathLst>
-                <a:path w="6913543" h="0">
+                <a:path w="2193323" h="0">
                   <a:moveTo>
                     <a:pt x="0" y="0"/>
                   </a:moveTo>
                   <a:lnTo>
-                    <a:pt x="6913543" y="0"/>
-                  </a:lnTo>
-                  <a:lnTo>
-                    <a:pt x="6913543" y="0"/>
+                    <a:pt x="2193323" y="0"/>
+                  </a:lnTo>
+                  <a:lnTo>
+                    <a:pt x="2193323" y="0"/>
                   </a:lnTo>
                 </a:path>
               </a:pathLst>
             </a:custGeom>
-            <a:ln w="6775" cap="flat">
+            <a:ln w="13550" cap="flat">
               <a:solidFill>
-                <a:srgbClr val="DEDEDE">
+                <a:srgbClr val="EBEBEB">
                   <a:alpha val="100000"/>
                 </a:srgbClr>
               </a:solidFill>
@@ -3562,28 +3562,28 @@
           </p:nvSpPr>
           <p:spPr>
             <a:xfrm>
-              <a:off x="2023549" y="3052507"/>
-              <a:ext cx="6913543" cy="0"/>
+              <a:off x="2217943" y="2052442"/>
+              <a:ext cx="2193323" cy="0"/>
             </a:xfrm>
             <a:custGeom>
               <a:avLst/>
               <a:pathLst>
-                <a:path w="6913543" h="0">
+                <a:path w="2193323" h="0">
                   <a:moveTo>
                     <a:pt x="0" y="0"/>
                   </a:moveTo>
                   <a:lnTo>
-                    <a:pt x="6913543" y="0"/>
-                  </a:lnTo>
-                  <a:lnTo>
-                    <a:pt x="6913543" y="0"/>
+                    <a:pt x="2193323" y="0"/>
+                  </a:lnTo>
+                  <a:lnTo>
+                    <a:pt x="2193323" y="0"/>
                   </a:lnTo>
                 </a:path>
               </a:pathLst>
             </a:custGeom>
-            <a:ln w="6775" cap="flat">
+            <a:ln w="13550" cap="flat">
               <a:solidFill>
-                <a:srgbClr val="DEDEDE">
+                <a:srgbClr val="EBEBEB">
                   <a:alpha val="100000"/>
                 </a:srgbClr>
               </a:solidFill>
@@ -3605,28 +3605,28 @@
           </p:nvSpPr>
           <p:spPr>
             <a:xfrm>
-              <a:off x="2023549" y="2490241"/>
-              <a:ext cx="6913543" cy="0"/>
+              <a:off x="2629191" y="1809173"/>
+              <a:ext cx="0" cy="3464924"/>
             </a:xfrm>
             <a:custGeom>
               <a:avLst/>
               <a:pathLst>
-                <a:path w="6913543" h="0">
+                <a:path w="0" h="3464924">
                   <a:moveTo>
+                    <a:pt x="0" y="3464924"/>
+                  </a:moveTo>
+                  <a:lnTo>
                     <a:pt x="0" y="0"/>
-                  </a:moveTo>
-                  <a:lnTo>
-                    <a:pt x="6913543" y="0"/>
-                  </a:lnTo>
-                  <a:lnTo>
-                    <a:pt x="6913543" y="0"/>
+                  </a:lnTo>
+                  <a:lnTo>
+                    <a:pt x="0" y="0"/>
                   </a:lnTo>
                 </a:path>
               </a:pathLst>
             </a:custGeom>
-            <a:ln w="6775" cap="flat">
+            <a:ln w="13550" cap="flat">
               <a:solidFill>
-                <a:srgbClr val="DEDEDE">
+                <a:srgbClr val="EBEBEB">
                   <a:alpha val="100000"/>
                 </a:srgbClr>
               </a:solidFill>
@@ -3648,28 +3648,28 @@
           </p:nvSpPr>
           <p:spPr>
             <a:xfrm>
-              <a:off x="2023549" y="1927976"/>
-              <a:ext cx="6913543" cy="0"/>
+              <a:off x="3314605" y="1809173"/>
+              <a:ext cx="0" cy="3464924"/>
             </a:xfrm>
             <a:custGeom>
               <a:avLst/>
               <a:pathLst>
-                <a:path w="6913543" h="0">
+                <a:path w="0" h="3464924">
                   <a:moveTo>
+                    <a:pt x="0" y="3464924"/>
+                  </a:moveTo>
+                  <a:lnTo>
                     <a:pt x="0" y="0"/>
-                  </a:moveTo>
-                  <a:lnTo>
-                    <a:pt x="6913543" y="0"/>
-                  </a:lnTo>
-                  <a:lnTo>
-                    <a:pt x="6913543" y="0"/>
+                  </a:lnTo>
+                  <a:lnTo>
+                    <a:pt x="0" y="0"/>
                   </a:lnTo>
                 </a:path>
               </a:pathLst>
             </a:custGeom>
-            <a:ln w="6775" cap="flat">
+            <a:ln w="13550" cap="flat">
               <a:solidFill>
-                <a:srgbClr val="DEDEDE">
+                <a:srgbClr val="EBEBEB">
                   <a:alpha val="100000"/>
                 </a:srgbClr>
               </a:solidFill>
@@ -3691,15 +3691,15 @@
           </p:nvSpPr>
           <p:spPr>
             <a:xfrm>
-              <a:off x="2023549" y="1590617"/>
-              <a:ext cx="0" cy="4048310"/>
+              <a:off x="4000019" y="1809173"/>
+              <a:ext cx="0" cy="3464924"/>
             </a:xfrm>
             <a:custGeom>
               <a:avLst/>
               <a:pathLst>
-                <a:path w="0" h="4048310">
+                <a:path w="0" h="3464924">
                   <a:moveTo>
-                    <a:pt x="0" y="4048310"/>
+                    <a:pt x="0" y="3464924"/>
                   </a:moveTo>
                   <a:lnTo>
                     <a:pt x="0" y="0"/>
@@ -3710,9 +3710,9 @@
                 </a:path>
               </a:pathLst>
             </a:custGeom>
-            <a:ln w="6775" cap="flat">
+            <a:ln w="13550" cap="flat">
               <a:solidFill>
-                <a:srgbClr val="DEDEDE">
+                <a:srgbClr val="EBEBEB">
                   <a:alpha val="100000"/>
                 </a:srgbClr>
               </a:solidFill>
@@ -3728,34 +3728,99 @@
         </p:sp>
         <p:sp>
           <p:nvSpPr>
-            <p:cNvPr id="18" name="pl18"/>
-            <p:cNvSpPr/>
-            <p:nvPr/>
-          </p:nvSpPr>
-          <p:spPr>
-            <a:xfrm>
-              <a:off x="3934994" y="1590617"/>
-              <a:ext cx="0" cy="4048310"/>
-            </a:xfrm>
-            <a:custGeom>
-              <a:avLst/>
-              <a:pathLst>
-                <a:path w="0" h="4048310">
-                  <a:moveTo>
-                    <a:pt x="0" y="4048310"/>
-                  </a:moveTo>
-                  <a:lnTo>
-                    <a:pt x="0" y="0"/>
-                  </a:lnTo>
-                  <a:lnTo>
-                    <a:pt x="0" y="0"/>
-                  </a:lnTo>
-                </a:path>
-              </a:pathLst>
-            </a:custGeom>
-            <a:ln w="6775" cap="flat">
+            <p:cNvPr id="18" name="rc18"/>
+            <p:cNvSpPr/>
+            <p:nvPr/>
+          </p:nvSpPr>
+          <p:spPr>
+            <a:xfrm>
+              <a:off x="2320755" y="5038255"/>
+              <a:ext cx="616872" cy="78344"/>
+            </a:xfrm>
+            <a:prstGeom prst="rect">
+              <a:avLst/>
+            </a:prstGeom>
+            <a:solidFill>
+              <a:srgbClr val="FEE0D2">
+                <a:alpha val="100000"/>
+              </a:srgbClr>
+            </a:solidFill>
+          </p:spPr>
+          <p:txBody>
+            <a:bodyPr/>
+            <a:lstStyle/>
+            <a:p/>
+          </p:txBody>
+        </p:sp>
+        <p:sp>
+          <p:nvSpPr>
+            <p:cNvPr id="19" name="rc19"/>
+            <p:cNvSpPr/>
+            <p:nvPr/>
+          </p:nvSpPr>
+          <p:spPr>
+            <a:xfrm>
+              <a:off x="3006169" y="4411496"/>
+              <a:ext cx="616872" cy="705104"/>
+            </a:xfrm>
+            <a:prstGeom prst="rect">
+              <a:avLst/>
+            </a:prstGeom>
+            <a:solidFill>
+              <a:srgbClr val="FC9272">
+                <a:alpha val="100000"/>
+              </a:srgbClr>
+            </a:solidFill>
+          </p:spPr>
+          <p:txBody>
+            <a:bodyPr/>
+            <a:lstStyle/>
+            <a:p/>
+          </p:txBody>
+        </p:sp>
+        <p:sp>
+          <p:nvSpPr>
+            <p:cNvPr id="20" name="rc20"/>
+            <p:cNvSpPr/>
+            <p:nvPr/>
+          </p:nvSpPr>
+          <p:spPr>
+            <a:xfrm>
+              <a:off x="3691582" y="2069852"/>
+              <a:ext cx="616872" cy="3046748"/>
+            </a:xfrm>
+            <a:prstGeom prst="rect">
+              <a:avLst/>
+            </a:prstGeom>
+            <a:solidFill>
+              <a:srgbClr val="DE2D26">
+                <a:alpha val="100000"/>
+              </a:srgbClr>
+            </a:solidFill>
+          </p:spPr>
+          <p:txBody>
+            <a:bodyPr/>
+            <a:lstStyle/>
+            <a:p/>
+          </p:txBody>
+        </p:sp>
+        <p:sp>
+          <p:nvSpPr>
+            <p:cNvPr id="21" name="rc21"/>
+            <p:cNvSpPr/>
+            <p:nvPr/>
+          </p:nvSpPr>
+          <p:spPr>
+            <a:xfrm>
+              <a:off x="2217943" y="1809173"/>
+              <a:ext cx="2193323" cy="3464924"/>
+            </a:xfrm>
+            <a:prstGeom prst="rect">
+              <a:avLst/>
+            </a:prstGeom>
+            <a:ln w="13550" cap="rnd">
               <a:solidFill>
-                <a:srgbClr val="DEDEDE">
+                <a:srgbClr val="333333">
                   <a:alpha val="100000"/>
                 </a:srgbClr>
               </a:solidFill>
@@ -3771,34 +3836,60 @@
         </p:sp>
         <p:sp>
           <p:nvSpPr>
-            <p:cNvPr id="19" name="pl19"/>
-            <p:cNvSpPr/>
-            <p:nvPr/>
-          </p:nvSpPr>
-          <p:spPr>
-            <a:xfrm>
-              <a:off x="5846439" y="1590617"/>
-              <a:ext cx="0" cy="4048310"/>
+            <p:cNvPr id="22" name="rc22"/>
+            <p:cNvSpPr/>
+            <p:nvPr/>
+          </p:nvSpPr>
+          <p:spPr>
+            <a:xfrm>
+              <a:off x="4480856" y="1809173"/>
+              <a:ext cx="2193323" cy="3464924"/>
+            </a:xfrm>
+            <a:prstGeom prst="rect">
+              <a:avLst/>
+            </a:prstGeom>
+            <a:solidFill>
+              <a:srgbClr val="FFFFFF">
+                <a:alpha val="100000"/>
+              </a:srgbClr>
+            </a:solidFill>
+          </p:spPr>
+          <p:txBody>
+            <a:bodyPr/>
+            <a:lstStyle/>
+            <a:p/>
+          </p:txBody>
+        </p:sp>
+        <p:sp>
+          <p:nvSpPr>
+            <p:cNvPr id="23" name="pl23"/>
+            <p:cNvSpPr/>
+            <p:nvPr/>
+          </p:nvSpPr>
+          <p:spPr>
+            <a:xfrm>
+              <a:off x="4480856" y="4733581"/>
+              <a:ext cx="2193323" cy="0"/>
             </a:xfrm>
             <a:custGeom>
               <a:avLst/>
               <a:pathLst>
-                <a:path w="0" h="4048310">
+                <a:path w="2193323" h="0">
                   <a:moveTo>
-                    <a:pt x="0" y="4048310"/>
+                    <a:pt x="0" y="0"/>
                   </a:moveTo>
                   <a:lnTo>
-                    <a:pt x="0" y="0"/>
-                  </a:lnTo>
-                  <a:lnTo>
-                    <a:pt x="0" y="0"/>
+                    <a:pt x="2193323" y="0"/>
+                  </a:lnTo>
+                  <a:lnTo>
+                    <a:pt x="2193323" y="0"/>
                   </a:lnTo>
                 </a:path>
               </a:pathLst>
             </a:custGeom>
             <a:ln w="6775" cap="flat">
               <a:solidFill>
-                <a:srgbClr val="DEDEDE">
+                <a:srgbClr val="EBEBEB">
                   <a:alpha val="100000"/>
                 </a:srgbClr>
               </a:solidFill>
@@ -3814,34 +3905,34 @@
         </p:sp>
         <p:sp>
           <p:nvSpPr>
-            <p:cNvPr id="20" name="pl20"/>
-            <p:cNvSpPr/>
-            <p:nvPr/>
-          </p:nvSpPr>
-          <p:spPr>
-            <a:xfrm>
-              <a:off x="7757883" y="1590617"/>
-              <a:ext cx="0" cy="4048310"/>
+            <p:cNvPr id="24" name="pl24"/>
+            <p:cNvSpPr/>
+            <p:nvPr/>
+          </p:nvSpPr>
+          <p:spPr>
+            <a:xfrm>
+              <a:off x="4480856" y="3967541"/>
+              <a:ext cx="2193323" cy="0"/>
             </a:xfrm>
             <a:custGeom>
               <a:avLst/>
               <a:pathLst>
-                <a:path w="0" h="4048310">
+                <a:path w="2193323" h="0">
                   <a:moveTo>
-                    <a:pt x="0" y="4048310"/>
+                    <a:pt x="0" y="0"/>
                   </a:moveTo>
                   <a:lnTo>
-                    <a:pt x="0" y="0"/>
-                  </a:lnTo>
-                  <a:lnTo>
-                    <a:pt x="0" y="0"/>
+                    <a:pt x="2193323" y="0"/>
+                  </a:lnTo>
+                  <a:lnTo>
+                    <a:pt x="2193323" y="0"/>
                   </a:lnTo>
                 </a:path>
               </a:pathLst>
             </a:custGeom>
             <a:ln w="6775" cap="flat">
               <a:solidFill>
-                <a:srgbClr val="DEDEDE">
+                <a:srgbClr val="EBEBEB">
                   <a:alpha val="100000"/>
                 </a:srgbClr>
               </a:solidFill>
@@ -3857,525 +3948,34 @@
         </p:sp>
         <p:sp>
           <p:nvSpPr>
-            <p:cNvPr id="21" name="rc21"/>
-            <p:cNvSpPr/>
-            <p:nvPr/>
-          </p:nvSpPr>
-          <p:spPr>
-            <a:xfrm>
-              <a:off x="2023549" y="1674957"/>
-              <a:ext cx="6777983" cy="506038"/>
-            </a:xfrm>
-            <a:prstGeom prst="rect">
-              <a:avLst/>
-            </a:prstGeom>
-            <a:solidFill>
-              <a:srgbClr val="595959">
-                <a:alpha val="100000"/>
-              </a:srgbClr>
-            </a:solidFill>
-          </p:spPr>
-          <p:txBody>
-            <a:bodyPr/>
-            <a:lstStyle/>
-            <a:p/>
-          </p:txBody>
-        </p:sp>
-        <p:sp>
-          <p:nvSpPr>
-            <p:cNvPr id="22" name="rc22"/>
-            <p:cNvSpPr/>
-            <p:nvPr/>
-          </p:nvSpPr>
-          <p:spPr>
-            <a:xfrm>
-              <a:off x="2023549" y="2237222"/>
-              <a:ext cx="6770337" cy="506038"/>
-            </a:xfrm>
-            <a:prstGeom prst="rect">
-              <a:avLst/>
-            </a:prstGeom>
-            <a:solidFill>
-              <a:srgbClr val="595959">
-                <a:alpha val="100000"/>
-              </a:srgbClr>
-            </a:solidFill>
-          </p:spPr>
-          <p:txBody>
-            <a:bodyPr/>
-            <a:lstStyle/>
-            <a:p/>
-          </p:txBody>
-        </p:sp>
-        <p:sp>
-          <p:nvSpPr>
-            <p:cNvPr id="23" name="rc23"/>
-            <p:cNvSpPr/>
-            <p:nvPr/>
-          </p:nvSpPr>
-          <p:spPr>
-            <a:xfrm>
-              <a:off x="2023549" y="2799487"/>
-              <a:ext cx="5705662" cy="506038"/>
-            </a:xfrm>
-            <a:prstGeom prst="rect">
-              <a:avLst/>
-            </a:prstGeom>
-            <a:solidFill>
-              <a:srgbClr val="595959">
-                <a:alpha val="100000"/>
-              </a:srgbClr>
-            </a:solidFill>
-          </p:spPr>
-          <p:txBody>
-            <a:bodyPr/>
-            <a:lstStyle/>
-            <a:p/>
-          </p:txBody>
-        </p:sp>
-        <p:sp>
-          <p:nvSpPr>
-            <p:cNvPr id="24" name="rc24"/>
-            <p:cNvSpPr/>
-            <p:nvPr/>
-          </p:nvSpPr>
-          <p:spPr>
-            <a:xfrm>
-              <a:off x="2023549" y="3361753"/>
-              <a:ext cx="4851247" cy="506038"/>
-            </a:xfrm>
-            <a:prstGeom prst="rect">
-              <a:avLst/>
-            </a:prstGeom>
-            <a:solidFill>
-              <a:srgbClr val="595959">
-                <a:alpha val="100000"/>
-              </a:srgbClr>
-            </a:solidFill>
-          </p:spPr>
-          <p:txBody>
-            <a:bodyPr/>
-            <a:lstStyle/>
-            <a:p/>
-          </p:txBody>
-        </p:sp>
-        <p:sp>
-          <p:nvSpPr>
-            <p:cNvPr id="25" name="rc25"/>
-            <p:cNvSpPr/>
-            <p:nvPr/>
-          </p:nvSpPr>
-          <p:spPr>
-            <a:xfrm>
-              <a:off x="2023549" y="3924018"/>
-              <a:ext cx="4813018" cy="506038"/>
-            </a:xfrm>
-            <a:prstGeom prst="rect">
-              <a:avLst/>
-            </a:prstGeom>
-            <a:solidFill>
-              <a:srgbClr val="595959">
-                <a:alpha val="100000"/>
-              </a:srgbClr>
-            </a:solidFill>
-          </p:spPr>
-          <p:txBody>
-            <a:bodyPr/>
-            <a:lstStyle/>
-            <a:p/>
-          </p:txBody>
-        </p:sp>
-        <p:sp>
-          <p:nvSpPr>
-            <p:cNvPr id="26" name="rc26"/>
-            <p:cNvSpPr/>
-            <p:nvPr/>
-          </p:nvSpPr>
-          <p:spPr>
-            <a:xfrm>
-              <a:off x="2023549" y="4486283"/>
-              <a:ext cx="1301693" cy="506038"/>
-            </a:xfrm>
-            <a:prstGeom prst="rect">
-              <a:avLst/>
-            </a:prstGeom>
-            <a:solidFill>
-              <a:srgbClr val="595959">
-                <a:alpha val="100000"/>
-              </a:srgbClr>
-            </a:solidFill>
-          </p:spPr>
-          <p:txBody>
-            <a:bodyPr/>
-            <a:lstStyle/>
-            <a:p/>
-          </p:txBody>
-        </p:sp>
-        <p:sp>
-          <p:nvSpPr>
-            <p:cNvPr id="27" name="rc27"/>
-            <p:cNvSpPr/>
-            <p:nvPr/>
-          </p:nvSpPr>
-          <p:spPr>
-            <a:xfrm>
-              <a:off x="2023549" y="5048549"/>
-              <a:ext cx="162472" cy="506038"/>
-            </a:xfrm>
-            <a:prstGeom prst="rect">
-              <a:avLst/>
-            </a:prstGeom>
-            <a:solidFill>
-              <a:srgbClr val="595959">
-                <a:alpha val="100000"/>
-              </a:srgbClr>
-            </a:solidFill>
-          </p:spPr>
-          <p:txBody>
-            <a:bodyPr/>
-            <a:lstStyle/>
-            <a:p/>
-          </p:txBody>
-        </p:sp>
-        <p:sp>
-          <p:nvSpPr>
-            <p:cNvPr id="28" name="tx28"/>
-            <p:cNvSpPr/>
-            <p:nvPr/>
-          </p:nvSpPr>
-          <p:spPr>
-            <a:xfrm>
-              <a:off x="7792989" y="1871010"/>
-              <a:ext cx="843155" cy="80245"/>
-            </a:xfrm>
-            <a:prstGeom prst="rect">
-              <a:avLst/>
-            </a:prstGeom>
-            <a:noFill/>
-          </p:spPr>
-          <p:txBody>
-            <a:bodyPr lIns="0" rIns="0" tIns="0" bIns="0" anchorCtr="1" anchor="ctr" wrap="none"/>
-            <a:lstStyle/>
-            <a:p>
-              <a:pPr algn="l" marL="0" marR="0" indent="0">
-                <a:lnSpc>
-                  <a:spcPts val="853"/>
-                </a:lnSpc>
-                <a:spcBef>
-                  <a:spcPts val="0"/>
-                </a:spcBef>
-                <a:spcAft>
-                  <a:spcPts val="0"/>
-                </a:spcAft>
-              </a:pPr>
-              <a:r>
-                <a:rPr sz="853" b="1">
-                  <a:solidFill>
-                    <a:srgbClr val="FFFFFF">
-                      <a:alpha val="100000"/>
-                    </a:srgbClr>
-                  </a:solidFill>
-                  <a:latin typeface="Arial"/>
-                  <a:cs typeface="Arial"/>
-                </a:rPr>
-                <a:t>大品牌/知名品牌的产品</a:t>
-              </a:r>
-            </a:p>
-          </p:txBody>
-        </p:sp>
-        <p:sp>
-          <p:nvSpPr>
-            <p:cNvPr id="29" name="tx29"/>
-            <p:cNvSpPr/>
-            <p:nvPr/>
-          </p:nvSpPr>
-          <p:spPr>
-            <a:xfrm>
-              <a:off x="7896765" y="2445768"/>
-              <a:ext cx="731733" cy="67753"/>
-            </a:xfrm>
-            <a:prstGeom prst="rect">
-              <a:avLst/>
-            </a:prstGeom>
-            <a:noFill/>
-          </p:spPr>
-          <p:txBody>
-            <a:bodyPr lIns="0" rIns="0" tIns="0" bIns="0" anchorCtr="1" anchor="ctr" wrap="none"/>
-            <a:lstStyle/>
-            <a:p>
-              <a:pPr algn="l" marL="0" marR="0" indent="0">
-                <a:lnSpc>
-                  <a:spcPts val="853"/>
-                </a:lnSpc>
-                <a:spcBef>
-                  <a:spcPts val="0"/>
-                </a:spcBef>
-                <a:spcAft>
-                  <a:spcPts val="0"/>
-                </a:spcAft>
-              </a:pPr>
-              <a:r>
-                <a:rPr sz="853" b="1">
-                  <a:solidFill>
-                    <a:srgbClr val="FFFFFF">
-                      <a:alpha val="100000"/>
-                    </a:srgbClr>
-                  </a:solidFill>
-                  <a:latin typeface="Arial"/>
-                  <a:cs typeface="Arial"/>
-                </a:rPr>
-                <a:t>包装设计特别吸眼球</a:t>
-              </a:r>
-            </a:p>
-          </p:txBody>
-        </p:sp>
-        <p:sp>
-          <p:nvSpPr>
-            <p:cNvPr id="30" name="tx30"/>
-            <p:cNvSpPr/>
-            <p:nvPr/>
-          </p:nvSpPr>
-          <p:spPr>
-            <a:xfrm>
-              <a:off x="6750786" y="3008033"/>
-              <a:ext cx="813037" cy="67753"/>
-            </a:xfrm>
-            <a:prstGeom prst="rect">
-              <a:avLst/>
-            </a:prstGeom>
-            <a:noFill/>
-          </p:spPr>
-          <p:txBody>
-            <a:bodyPr lIns="0" rIns="0" tIns="0" bIns="0" anchorCtr="1" anchor="ctr" wrap="none"/>
-            <a:lstStyle/>
-            <a:p>
-              <a:pPr algn="l" marL="0" marR="0" indent="0">
-                <a:lnSpc>
-                  <a:spcPts val="853"/>
-                </a:lnSpc>
-                <a:spcBef>
-                  <a:spcPts val="0"/>
-                </a:spcBef>
-                <a:spcAft>
-                  <a:spcPts val="0"/>
-                </a:spcAft>
-              </a:pPr>
-              <a:r>
-                <a:rPr sz="853" b="1">
-                  <a:solidFill>
-                    <a:srgbClr val="FFFFFF">
-                      <a:alpha val="100000"/>
-                    </a:srgbClr>
-                  </a:solidFill>
-                  <a:latin typeface="Arial"/>
-                  <a:cs typeface="Arial"/>
-                </a:rPr>
-                <a:t>该产品的价格很吸引人</a:t>
-              </a:r>
-            </a:p>
-          </p:txBody>
-        </p:sp>
-        <p:sp>
-          <p:nvSpPr>
-            <p:cNvPr id="31" name="tx31"/>
-            <p:cNvSpPr/>
-            <p:nvPr/>
-          </p:nvSpPr>
-          <p:spPr>
-            <a:xfrm>
-              <a:off x="5164637" y="3570299"/>
-              <a:ext cx="1544771" cy="67753"/>
-            </a:xfrm>
-            <a:prstGeom prst="rect">
-              <a:avLst/>
-            </a:prstGeom>
-            <a:noFill/>
-          </p:spPr>
-          <p:txBody>
-            <a:bodyPr lIns="0" rIns="0" tIns="0" bIns="0" anchorCtr="1" anchor="ctr" wrap="none"/>
-            <a:lstStyle/>
-            <a:p>
-              <a:pPr algn="l" marL="0" marR="0" indent="0">
-                <a:lnSpc>
-                  <a:spcPts val="853"/>
-                </a:lnSpc>
-                <a:spcBef>
-                  <a:spcPts val="0"/>
-                </a:spcBef>
-                <a:spcAft>
-                  <a:spcPts val="0"/>
-                </a:spcAft>
-              </a:pPr>
-              <a:r>
-                <a:rPr sz="853" b="1">
-                  <a:solidFill>
-                    <a:srgbClr val="FFFFFF">
-                      <a:alpha val="100000"/>
-                    </a:srgbClr>
-                  </a:solidFill>
-                  <a:latin typeface="Arial"/>
-                  <a:cs typeface="Arial"/>
-                </a:rPr>
-                <a:t>有专业人士（如医生、科普专家）推荐购买</a:t>
-              </a:r>
-            </a:p>
-          </p:txBody>
-        </p:sp>
-        <p:sp>
-          <p:nvSpPr>
-            <p:cNvPr id="32" name="tx32"/>
-            <p:cNvSpPr/>
-            <p:nvPr/>
-          </p:nvSpPr>
-          <p:spPr>
-            <a:xfrm>
-              <a:off x="5014986" y="4120072"/>
-              <a:ext cx="1656193" cy="80245"/>
-            </a:xfrm>
-            <a:prstGeom prst="rect">
-              <a:avLst/>
-            </a:prstGeom>
-            <a:noFill/>
-          </p:spPr>
-          <p:txBody>
-            <a:bodyPr lIns="0" rIns="0" tIns="0" bIns="0" anchorCtr="1" anchor="ctr" wrap="none"/>
-            <a:lstStyle/>
-            <a:p>
-              <a:pPr algn="l" marL="0" marR="0" indent="0">
-                <a:lnSpc>
-                  <a:spcPts val="853"/>
-                </a:lnSpc>
-                <a:spcBef>
-                  <a:spcPts val="0"/>
-                </a:spcBef>
-                <a:spcAft>
-                  <a:spcPts val="0"/>
-                </a:spcAft>
-              </a:pPr>
-              <a:r>
-                <a:rPr sz="853" b="1">
-                  <a:solidFill>
-                    <a:srgbClr val="FFFFFF">
-                      <a:alpha val="100000"/>
-                    </a:srgbClr>
-                  </a:solidFill>
-                  <a:latin typeface="Arial"/>
-                  <a:cs typeface="Arial"/>
-                </a:rPr>
-                <a:t>该产品宣称的卖点/适应症契合自己或家人所需</a:t>
-              </a:r>
-            </a:p>
-          </p:txBody>
-        </p:sp>
-        <p:sp>
-          <p:nvSpPr>
-            <p:cNvPr id="33" name="tx33"/>
-            <p:cNvSpPr/>
-            <p:nvPr/>
-          </p:nvSpPr>
-          <p:spPr>
-            <a:xfrm>
-              <a:off x="3490630" y="4710349"/>
-              <a:ext cx="1056948" cy="67753"/>
-            </a:xfrm>
-            <a:prstGeom prst="rect">
-              <a:avLst/>
-            </a:prstGeom>
-            <a:noFill/>
-          </p:spPr>
-          <p:txBody>
-            <a:bodyPr lIns="0" rIns="0" tIns="0" bIns="0" anchorCtr="1" anchor="ctr" wrap="none"/>
-            <a:lstStyle/>
-            <a:p>
-              <a:pPr algn="l" marL="0" marR="0" indent="0">
-                <a:lnSpc>
-                  <a:spcPts val="853"/>
-                </a:lnSpc>
-                <a:spcBef>
-                  <a:spcPts val="0"/>
-                </a:spcBef>
-                <a:spcAft>
-                  <a:spcPts val="0"/>
-                </a:spcAft>
-              </a:pPr>
-              <a:r>
-                <a:rPr sz="853">
-                  <a:solidFill>
-                    <a:srgbClr val="000000">
-                      <a:alpha val="100000"/>
-                    </a:srgbClr>
-                  </a:solidFill>
-                  <a:latin typeface="Arial"/>
-                  <a:cs typeface="Arial"/>
-                </a:rPr>
-                <a:t>有明星、直播带货大主播推荐</a:t>
-              </a:r>
-            </a:p>
-          </p:txBody>
-        </p:sp>
-        <p:sp>
-          <p:nvSpPr>
-            <p:cNvPr id="34" name="tx34"/>
-            <p:cNvSpPr/>
-            <p:nvPr/>
-          </p:nvSpPr>
-          <p:spPr>
-            <a:xfrm>
-              <a:off x="2351409" y="5272614"/>
-              <a:ext cx="1382163" cy="67753"/>
-            </a:xfrm>
-            <a:prstGeom prst="rect">
-              <a:avLst/>
-            </a:prstGeom>
-            <a:noFill/>
-          </p:spPr>
-          <p:txBody>
-            <a:bodyPr lIns="0" rIns="0" tIns="0" bIns="0" anchorCtr="1" anchor="ctr" wrap="none"/>
-            <a:lstStyle/>
-            <a:p>
-              <a:pPr algn="l" marL="0" marR="0" indent="0">
-                <a:lnSpc>
-                  <a:spcPts val="853"/>
-                </a:lnSpc>
-                <a:spcBef>
-                  <a:spcPts val="0"/>
-                </a:spcBef>
-                <a:spcAft>
-                  <a:spcPts val="0"/>
-                </a:spcAft>
-              </a:pPr>
-              <a:r>
-                <a:rPr sz="853">
-                  <a:solidFill>
-                    <a:srgbClr val="000000">
-                      <a:alpha val="100000"/>
-                    </a:srgbClr>
-                  </a:solidFill>
-                  <a:latin typeface="Arial"/>
-                  <a:cs typeface="Arial"/>
-                </a:rPr>
-                <a:t>不存在购买特定品牌特定益生菌的习惯</a:t>
-              </a:r>
-            </a:p>
-          </p:txBody>
-        </p:sp>
-        <p:sp>
-          <p:nvSpPr>
-            <p:cNvPr id="35" name="rc35"/>
-            <p:cNvSpPr/>
-            <p:nvPr/>
-          </p:nvSpPr>
-          <p:spPr>
-            <a:xfrm>
-              <a:off x="2023549" y="1590617"/>
-              <a:ext cx="6913543" cy="4048310"/>
-            </a:xfrm>
-            <a:prstGeom prst="rect">
-              <a:avLst/>
-            </a:prstGeom>
-            <a:ln w="13550" cap="rnd">
+            <p:cNvPr id="25" name="pl25"/>
+            <p:cNvSpPr/>
+            <p:nvPr/>
+          </p:nvSpPr>
+          <p:spPr>
+            <a:xfrm>
+              <a:off x="4480856" y="3201501"/>
+              <a:ext cx="2193323" cy="0"/>
+            </a:xfrm>
+            <a:custGeom>
+              <a:avLst/>
+              <a:pathLst>
+                <a:path w="2193323" h="0">
+                  <a:moveTo>
+                    <a:pt x="0" y="0"/>
+                  </a:moveTo>
+                  <a:lnTo>
+                    <a:pt x="2193323" y="0"/>
+                  </a:lnTo>
+                  <a:lnTo>
+                    <a:pt x="2193323" y="0"/>
+                  </a:lnTo>
+                </a:path>
+              </a:pathLst>
+            </a:custGeom>
+            <a:ln w="6775" cap="flat">
               <a:solidFill>
-                <a:srgbClr val="B3B3B3">
+                <a:srgbClr val="EBEBEB">
                   <a:alpha val="100000"/>
                 </a:srgbClr>
               </a:solidFill>
@@ -4391,14 +3991,1194 @@
         </p:sp>
         <p:sp>
           <p:nvSpPr>
-            <p:cNvPr id="36" name="tx36"/>
-            <p:cNvSpPr/>
-            <p:nvPr/>
-          </p:nvSpPr>
-          <p:spPr>
-            <a:xfrm>
-              <a:off x="1926599" y="5262660"/>
-              <a:ext cx="62155" cy="78908"/>
+            <p:cNvPr id="26" name="pl26"/>
+            <p:cNvSpPr/>
+            <p:nvPr/>
+          </p:nvSpPr>
+          <p:spPr>
+            <a:xfrm>
+              <a:off x="4480856" y="2435462"/>
+              <a:ext cx="2193323" cy="0"/>
+            </a:xfrm>
+            <a:custGeom>
+              <a:avLst/>
+              <a:pathLst>
+                <a:path w="2193323" h="0">
+                  <a:moveTo>
+                    <a:pt x="0" y="0"/>
+                  </a:moveTo>
+                  <a:lnTo>
+                    <a:pt x="2193323" y="0"/>
+                  </a:lnTo>
+                  <a:lnTo>
+                    <a:pt x="2193323" y="0"/>
+                  </a:lnTo>
+                </a:path>
+              </a:pathLst>
+            </a:custGeom>
+            <a:ln w="6775" cap="flat">
+              <a:solidFill>
+                <a:srgbClr val="EBEBEB">
+                  <a:alpha val="100000"/>
+                </a:srgbClr>
+              </a:solidFill>
+              <a:prstDash val="solid"/>
+              <a:round/>
+            </a:ln>
+          </p:spPr>
+          <p:txBody>
+            <a:bodyPr/>
+            <a:lstStyle/>
+            <a:p/>
+          </p:txBody>
+        </p:sp>
+        <p:sp>
+          <p:nvSpPr>
+            <p:cNvPr id="27" name="pl27"/>
+            <p:cNvSpPr/>
+            <p:nvPr/>
+          </p:nvSpPr>
+          <p:spPr>
+            <a:xfrm>
+              <a:off x="4480856" y="5116600"/>
+              <a:ext cx="2193323" cy="0"/>
+            </a:xfrm>
+            <a:custGeom>
+              <a:avLst/>
+              <a:pathLst>
+                <a:path w="2193323" h="0">
+                  <a:moveTo>
+                    <a:pt x="0" y="0"/>
+                  </a:moveTo>
+                  <a:lnTo>
+                    <a:pt x="2193323" y="0"/>
+                  </a:lnTo>
+                  <a:lnTo>
+                    <a:pt x="2193323" y="0"/>
+                  </a:lnTo>
+                </a:path>
+              </a:pathLst>
+            </a:custGeom>
+            <a:ln w="13550" cap="flat">
+              <a:solidFill>
+                <a:srgbClr val="EBEBEB">
+                  <a:alpha val="100000"/>
+                </a:srgbClr>
+              </a:solidFill>
+              <a:prstDash val="solid"/>
+              <a:round/>
+            </a:ln>
+          </p:spPr>
+          <p:txBody>
+            <a:bodyPr/>
+            <a:lstStyle/>
+            <a:p/>
+          </p:txBody>
+        </p:sp>
+        <p:sp>
+          <p:nvSpPr>
+            <p:cNvPr id="28" name="pl28"/>
+            <p:cNvSpPr/>
+            <p:nvPr/>
+          </p:nvSpPr>
+          <p:spPr>
+            <a:xfrm>
+              <a:off x="4480856" y="4350561"/>
+              <a:ext cx="2193323" cy="0"/>
+            </a:xfrm>
+            <a:custGeom>
+              <a:avLst/>
+              <a:pathLst>
+                <a:path w="2193323" h="0">
+                  <a:moveTo>
+                    <a:pt x="0" y="0"/>
+                  </a:moveTo>
+                  <a:lnTo>
+                    <a:pt x="2193323" y="0"/>
+                  </a:lnTo>
+                  <a:lnTo>
+                    <a:pt x="2193323" y="0"/>
+                  </a:lnTo>
+                </a:path>
+              </a:pathLst>
+            </a:custGeom>
+            <a:ln w="13550" cap="flat">
+              <a:solidFill>
+                <a:srgbClr val="EBEBEB">
+                  <a:alpha val="100000"/>
+                </a:srgbClr>
+              </a:solidFill>
+              <a:prstDash val="solid"/>
+              <a:round/>
+            </a:ln>
+          </p:spPr>
+          <p:txBody>
+            <a:bodyPr/>
+            <a:lstStyle/>
+            <a:p/>
+          </p:txBody>
+        </p:sp>
+        <p:sp>
+          <p:nvSpPr>
+            <p:cNvPr id="29" name="pl29"/>
+            <p:cNvSpPr/>
+            <p:nvPr/>
+          </p:nvSpPr>
+          <p:spPr>
+            <a:xfrm>
+              <a:off x="4480856" y="3584521"/>
+              <a:ext cx="2193323" cy="0"/>
+            </a:xfrm>
+            <a:custGeom>
+              <a:avLst/>
+              <a:pathLst>
+                <a:path w="2193323" h="0">
+                  <a:moveTo>
+                    <a:pt x="0" y="0"/>
+                  </a:moveTo>
+                  <a:lnTo>
+                    <a:pt x="2193323" y="0"/>
+                  </a:lnTo>
+                  <a:lnTo>
+                    <a:pt x="2193323" y="0"/>
+                  </a:lnTo>
+                </a:path>
+              </a:pathLst>
+            </a:custGeom>
+            <a:ln w="13550" cap="flat">
+              <a:solidFill>
+                <a:srgbClr val="EBEBEB">
+                  <a:alpha val="100000"/>
+                </a:srgbClr>
+              </a:solidFill>
+              <a:prstDash val="solid"/>
+              <a:round/>
+            </a:ln>
+          </p:spPr>
+          <p:txBody>
+            <a:bodyPr/>
+            <a:lstStyle/>
+            <a:p/>
+          </p:txBody>
+        </p:sp>
+        <p:sp>
+          <p:nvSpPr>
+            <p:cNvPr id="30" name="pl30"/>
+            <p:cNvSpPr/>
+            <p:nvPr/>
+          </p:nvSpPr>
+          <p:spPr>
+            <a:xfrm>
+              <a:off x="4480856" y="2818482"/>
+              <a:ext cx="2193323" cy="0"/>
+            </a:xfrm>
+            <a:custGeom>
+              <a:avLst/>
+              <a:pathLst>
+                <a:path w="2193323" h="0">
+                  <a:moveTo>
+                    <a:pt x="0" y="0"/>
+                  </a:moveTo>
+                  <a:lnTo>
+                    <a:pt x="2193323" y="0"/>
+                  </a:lnTo>
+                  <a:lnTo>
+                    <a:pt x="2193323" y="0"/>
+                  </a:lnTo>
+                </a:path>
+              </a:pathLst>
+            </a:custGeom>
+            <a:ln w="13550" cap="flat">
+              <a:solidFill>
+                <a:srgbClr val="EBEBEB">
+                  <a:alpha val="100000"/>
+                </a:srgbClr>
+              </a:solidFill>
+              <a:prstDash val="solid"/>
+              <a:round/>
+            </a:ln>
+          </p:spPr>
+          <p:txBody>
+            <a:bodyPr/>
+            <a:lstStyle/>
+            <a:p/>
+          </p:txBody>
+        </p:sp>
+        <p:sp>
+          <p:nvSpPr>
+            <p:cNvPr id="31" name="pl31"/>
+            <p:cNvSpPr/>
+            <p:nvPr/>
+          </p:nvSpPr>
+          <p:spPr>
+            <a:xfrm>
+              <a:off x="4480856" y="2052442"/>
+              <a:ext cx="2193323" cy="0"/>
+            </a:xfrm>
+            <a:custGeom>
+              <a:avLst/>
+              <a:pathLst>
+                <a:path w="2193323" h="0">
+                  <a:moveTo>
+                    <a:pt x="0" y="0"/>
+                  </a:moveTo>
+                  <a:lnTo>
+                    <a:pt x="2193323" y="0"/>
+                  </a:lnTo>
+                  <a:lnTo>
+                    <a:pt x="2193323" y="0"/>
+                  </a:lnTo>
+                </a:path>
+              </a:pathLst>
+            </a:custGeom>
+            <a:ln w="13550" cap="flat">
+              <a:solidFill>
+                <a:srgbClr val="EBEBEB">
+                  <a:alpha val="100000"/>
+                </a:srgbClr>
+              </a:solidFill>
+              <a:prstDash val="solid"/>
+              <a:round/>
+            </a:ln>
+          </p:spPr>
+          <p:txBody>
+            <a:bodyPr/>
+            <a:lstStyle/>
+            <a:p/>
+          </p:txBody>
+        </p:sp>
+        <p:sp>
+          <p:nvSpPr>
+            <p:cNvPr id="32" name="pl32"/>
+            <p:cNvSpPr/>
+            <p:nvPr/>
+          </p:nvSpPr>
+          <p:spPr>
+            <a:xfrm>
+              <a:off x="4892104" y="1809173"/>
+              <a:ext cx="0" cy="3464924"/>
+            </a:xfrm>
+            <a:custGeom>
+              <a:avLst/>
+              <a:pathLst>
+                <a:path w="0" h="3464924">
+                  <a:moveTo>
+                    <a:pt x="0" y="3464924"/>
+                  </a:moveTo>
+                  <a:lnTo>
+                    <a:pt x="0" y="0"/>
+                  </a:lnTo>
+                  <a:lnTo>
+                    <a:pt x="0" y="0"/>
+                  </a:lnTo>
+                </a:path>
+              </a:pathLst>
+            </a:custGeom>
+            <a:ln w="13550" cap="flat">
+              <a:solidFill>
+                <a:srgbClr val="EBEBEB">
+                  <a:alpha val="100000"/>
+                </a:srgbClr>
+              </a:solidFill>
+              <a:prstDash val="solid"/>
+              <a:round/>
+            </a:ln>
+          </p:spPr>
+          <p:txBody>
+            <a:bodyPr/>
+            <a:lstStyle/>
+            <a:p/>
+          </p:txBody>
+        </p:sp>
+        <p:sp>
+          <p:nvSpPr>
+            <p:cNvPr id="33" name="pl33"/>
+            <p:cNvSpPr/>
+            <p:nvPr/>
+          </p:nvSpPr>
+          <p:spPr>
+            <a:xfrm>
+              <a:off x="5577518" y="1809173"/>
+              <a:ext cx="0" cy="3464924"/>
+            </a:xfrm>
+            <a:custGeom>
+              <a:avLst/>
+              <a:pathLst>
+                <a:path w="0" h="3464924">
+                  <a:moveTo>
+                    <a:pt x="0" y="3464924"/>
+                  </a:moveTo>
+                  <a:lnTo>
+                    <a:pt x="0" y="0"/>
+                  </a:lnTo>
+                  <a:lnTo>
+                    <a:pt x="0" y="0"/>
+                  </a:lnTo>
+                </a:path>
+              </a:pathLst>
+            </a:custGeom>
+            <a:ln w="13550" cap="flat">
+              <a:solidFill>
+                <a:srgbClr val="EBEBEB">
+                  <a:alpha val="100000"/>
+                </a:srgbClr>
+              </a:solidFill>
+              <a:prstDash val="solid"/>
+              <a:round/>
+            </a:ln>
+          </p:spPr>
+          <p:txBody>
+            <a:bodyPr/>
+            <a:lstStyle/>
+            <a:p/>
+          </p:txBody>
+        </p:sp>
+        <p:sp>
+          <p:nvSpPr>
+            <p:cNvPr id="34" name="pl34"/>
+            <p:cNvSpPr/>
+            <p:nvPr/>
+          </p:nvSpPr>
+          <p:spPr>
+            <a:xfrm>
+              <a:off x="6262931" y="1809173"/>
+              <a:ext cx="0" cy="3464924"/>
+            </a:xfrm>
+            <a:custGeom>
+              <a:avLst/>
+              <a:pathLst>
+                <a:path w="0" h="3464924">
+                  <a:moveTo>
+                    <a:pt x="0" y="3464924"/>
+                  </a:moveTo>
+                  <a:lnTo>
+                    <a:pt x="0" y="0"/>
+                  </a:lnTo>
+                  <a:lnTo>
+                    <a:pt x="0" y="0"/>
+                  </a:lnTo>
+                </a:path>
+              </a:pathLst>
+            </a:custGeom>
+            <a:ln w="13550" cap="flat">
+              <a:solidFill>
+                <a:srgbClr val="EBEBEB">
+                  <a:alpha val="100000"/>
+                </a:srgbClr>
+              </a:solidFill>
+              <a:prstDash val="solid"/>
+              <a:round/>
+            </a:ln>
+          </p:spPr>
+          <p:txBody>
+            <a:bodyPr/>
+            <a:lstStyle/>
+            <a:p/>
+          </p:txBody>
+        </p:sp>
+        <p:sp>
+          <p:nvSpPr>
+            <p:cNvPr id="35" name="rc35"/>
+            <p:cNvSpPr/>
+            <p:nvPr/>
+          </p:nvSpPr>
+          <p:spPr>
+            <a:xfrm>
+              <a:off x="4583668" y="5042658"/>
+              <a:ext cx="616872" cy="73942"/>
+            </a:xfrm>
+            <a:prstGeom prst="rect">
+              <a:avLst/>
+            </a:prstGeom>
+            <a:solidFill>
+              <a:srgbClr val="FEE0D2">
+                <a:alpha val="100000"/>
+              </a:srgbClr>
+            </a:solidFill>
+          </p:spPr>
+          <p:txBody>
+            <a:bodyPr/>
+            <a:lstStyle/>
+            <a:p/>
+          </p:txBody>
+        </p:sp>
+        <p:sp>
+          <p:nvSpPr>
+            <p:cNvPr id="36" name="rc36"/>
+            <p:cNvSpPr/>
+            <p:nvPr/>
+          </p:nvSpPr>
+          <p:spPr>
+            <a:xfrm>
+              <a:off x="5269081" y="4510276"/>
+              <a:ext cx="616872" cy="606324"/>
+            </a:xfrm>
+            <a:prstGeom prst="rect">
+              <a:avLst/>
+            </a:prstGeom>
+            <a:solidFill>
+              <a:srgbClr val="FC9272">
+                <a:alpha val="100000"/>
+              </a:srgbClr>
+            </a:solidFill>
+          </p:spPr>
+          <p:txBody>
+            <a:bodyPr/>
+            <a:lstStyle/>
+            <a:p/>
+          </p:txBody>
+        </p:sp>
+        <p:sp>
+          <p:nvSpPr>
+            <p:cNvPr id="37" name="rc37"/>
+            <p:cNvSpPr/>
+            <p:nvPr/>
+          </p:nvSpPr>
+          <p:spPr>
+            <a:xfrm>
+              <a:off x="5954495" y="1966669"/>
+              <a:ext cx="616872" cy="3149931"/>
+            </a:xfrm>
+            <a:prstGeom prst="rect">
+              <a:avLst/>
+            </a:prstGeom>
+            <a:solidFill>
+              <a:srgbClr val="DE2D26">
+                <a:alpha val="100000"/>
+              </a:srgbClr>
+            </a:solidFill>
+          </p:spPr>
+          <p:txBody>
+            <a:bodyPr/>
+            <a:lstStyle/>
+            <a:p/>
+          </p:txBody>
+        </p:sp>
+        <p:sp>
+          <p:nvSpPr>
+            <p:cNvPr id="38" name="rc38"/>
+            <p:cNvSpPr/>
+            <p:nvPr/>
+          </p:nvSpPr>
+          <p:spPr>
+            <a:xfrm>
+              <a:off x="4480856" y="1809173"/>
+              <a:ext cx="2193323" cy="3464924"/>
+            </a:xfrm>
+            <a:prstGeom prst="rect">
+              <a:avLst/>
+            </a:prstGeom>
+            <a:ln w="13550" cap="rnd">
+              <a:solidFill>
+                <a:srgbClr val="333333">
+                  <a:alpha val="100000"/>
+                </a:srgbClr>
+              </a:solidFill>
+              <a:prstDash val="solid"/>
+              <a:round/>
+            </a:ln>
+          </p:spPr>
+          <p:txBody>
+            <a:bodyPr/>
+            <a:lstStyle/>
+            <a:p/>
+          </p:txBody>
+        </p:sp>
+        <p:sp>
+          <p:nvSpPr>
+            <p:cNvPr id="39" name="rc39"/>
+            <p:cNvSpPr/>
+            <p:nvPr/>
+          </p:nvSpPr>
+          <p:spPr>
+            <a:xfrm>
+              <a:off x="6743768" y="1809173"/>
+              <a:ext cx="2193323" cy="3464924"/>
+            </a:xfrm>
+            <a:prstGeom prst="rect">
+              <a:avLst/>
+            </a:prstGeom>
+            <a:solidFill>
+              <a:srgbClr val="FFFFFF">
+                <a:alpha val="100000"/>
+              </a:srgbClr>
+            </a:solidFill>
+          </p:spPr>
+          <p:txBody>
+            <a:bodyPr/>
+            <a:lstStyle/>
+            <a:p/>
+          </p:txBody>
+        </p:sp>
+        <p:sp>
+          <p:nvSpPr>
+            <p:cNvPr id="40" name="pl40"/>
+            <p:cNvSpPr/>
+            <p:nvPr/>
+          </p:nvSpPr>
+          <p:spPr>
+            <a:xfrm>
+              <a:off x="6743768" y="4733581"/>
+              <a:ext cx="2193323" cy="0"/>
+            </a:xfrm>
+            <a:custGeom>
+              <a:avLst/>
+              <a:pathLst>
+                <a:path w="2193323" h="0">
+                  <a:moveTo>
+                    <a:pt x="0" y="0"/>
+                  </a:moveTo>
+                  <a:lnTo>
+                    <a:pt x="2193323" y="0"/>
+                  </a:lnTo>
+                  <a:lnTo>
+                    <a:pt x="2193323" y="0"/>
+                  </a:lnTo>
+                </a:path>
+              </a:pathLst>
+            </a:custGeom>
+            <a:ln w="6775" cap="flat">
+              <a:solidFill>
+                <a:srgbClr val="EBEBEB">
+                  <a:alpha val="100000"/>
+                </a:srgbClr>
+              </a:solidFill>
+              <a:prstDash val="solid"/>
+              <a:round/>
+            </a:ln>
+          </p:spPr>
+          <p:txBody>
+            <a:bodyPr/>
+            <a:lstStyle/>
+            <a:p/>
+          </p:txBody>
+        </p:sp>
+        <p:sp>
+          <p:nvSpPr>
+            <p:cNvPr id="41" name="pl41"/>
+            <p:cNvSpPr/>
+            <p:nvPr/>
+          </p:nvSpPr>
+          <p:spPr>
+            <a:xfrm>
+              <a:off x="6743768" y="3967541"/>
+              <a:ext cx="2193323" cy="0"/>
+            </a:xfrm>
+            <a:custGeom>
+              <a:avLst/>
+              <a:pathLst>
+                <a:path w="2193323" h="0">
+                  <a:moveTo>
+                    <a:pt x="0" y="0"/>
+                  </a:moveTo>
+                  <a:lnTo>
+                    <a:pt x="2193323" y="0"/>
+                  </a:lnTo>
+                  <a:lnTo>
+                    <a:pt x="2193323" y="0"/>
+                  </a:lnTo>
+                </a:path>
+              </a:pathLst>
+            </a:custGeom>
+            <a:ln w="6775" cap="flat">
+              <a:solidFill>
+                <a:srgbClr val="EBEBEB">
+                  <a:alpha val="100000"/>
+                </a:srgbClr>
+              </a:solidFill>
+              <a:prstDash val="solid"/>
+              <a:round/>
+            </a:ln>
+          </p:spPr>
+          <p:txBody>
+            <a:bodyPr/>
+            <a:lstStyle/>
+            <a:p/>
+          </p:txBody>
+        </p:sp>
+        <p:sp>
+          <p:nvSpPr>
+            <p:cNvPr id="42" name="pl42"/>
+            <p:cNvSpPr/>
+            <p:nvPr/>
+          </p:nvSpPr>
+          <p:spPr>
+            <a:xfrm>
+              <a:off x="6743768" y="3201501"/>
+              <a:ext cx="2193323" cy="0"/>
+            </a:xfrm>
+            <a:custGeom>
+              <a:avLst/>
+              <a:pathLst>
+                <a:path w="2193323" h="0">
+                  <a:moveTo>
+                    <a:pt x="0" y="0"/>
+                  </a:moveTo>
+                  <a:lnTo>
+                    <a:pt x="2193323" y="0"/>
+                  </a:lnTo>
+                  <a:lnTo>
+                    <a:pt x="2193323" y="0"/>
+                  </a:lnTo>
+                </a:path>
+              </a:pathLst>
+            </a:custGeom>
+            <a:ln w="6775" cap="flat">
+              <a:solidFill>
+                <a:srgbClr val="EBEBEB">
+                  <a:alpha val="100000"/>
+                </a:srgbClr>
+              </a:solidFill>
+              <a:prstDash val="solid"/>
+              <a:round/>
+            </a:ln>
+          </p:spPr>
+          <p:txBody>
+            <a:bodyPr/>
+            <a:lstStyle/>
+            <a:p/>
+          </p:txBody>
+        </p:sp>
+        <p:sp>
+          <p:nvSpPr>
+            <p:cNvPr id="43" name="pl43"/>
+            <p:cNvSpPr/>
+            <p:nvPr/>
+          </p:nvSpPr>
+          <p:spPr>
+            <a:xfrm>
+              <a:off x="6743768" y="2435462"/>
+              <a:ext cx="2193323" cy="0"/>
+            </a:xfrm>
+            <a:custGeom>
+              <a:avLst/>
+              <a:pathLst>
+                <a:path w="2193323" h="0">
+                  <a:moveTo>
+                    <a:pt x="0" y="0"/>
+                  </a:moveTo>
+                  <a:lnTo>
+                    <a:pt x="2193323" y="0"/>
+                  </a:lnTo>
+                  <a:lnTo>
+                    <a:pt x="2193323" y="0"/>
+                  </a:lnTo>
+                </a:path>
+              </a:pathLst>
+            </a:custGeom>
+            <a:ln w="6775" cap="flat">
+              <a:solidFill>
+                <a:srgbClr val="EBEBEB">
+                  <a:alpha val="100000"/>
+                </a:srgbClr>
+              </a:solidFill>
+              <a:prstDash val="solid"/>
+              <a:round/>
+            </a:ln>
+          </p:spPr>
+          <p:txBody>
+            <a:bodyPr/>
+            <a:lstStyle/>
+            <a:p/>
+          </p:txBody>
+        </p:sp>
+        <p:sp>
+          <p:nvSpPr>
+            <p:cNvPr id="44" name="pl44"/>
+            <p:cNvSpPr/>
+            <p:nvPr/>
+          </p:nvSpPr>
+          <p:spPr>
+            <a:xfrm>
+              <a:off x="6743768" y="5116600"/>
+              <a:ext cx="2193323" cy="0"/>
+            </a:xfrm>
+            <a:custGeom>
+              <a:avLst/>
+              <a:pathLst>
+                <a:path w="2193323" h="0">
+                  <a:moveTo>
+                    <a:pt x="0" y="0"/>
+                  </a:moveTo>
+                  <a:lnTo>
+                    <a:pt x="2193323" y="0"/>
+                  </a:lnTo>
+                  <a:lnTo>
+                    <a:pt x="2193323" y="0"/>
+                  </a:lnTo>
+                </a:path>
+              </a:pathLst>
+            </a:custGeom>
+            <a:ln w="13550" cap="flat">
+              <a:solidFill>
+                <a:srgbClr val="EBEBEB">
+                  <a:alpha val="100000"/>
+                </a:srgbClr>
+              </a:solidFill>
+              <a:prstDash val="solid"/>
+              <a:round/>
+            </a:ln>
+          </p:spPr>
+          <p:txBody>
+            <a:bodyPr/>
+            <a:lstStyle/>
+            <a:p/>
+          </p:txBody>
+        </p:sp>
+        <p:sp>
+          <p:nvSpPr>
+            <p:cNvPr id="45" name="pl45"/>
+            <p:cNvSpPr/>
+            <p:nvPr/>
+          </p:nvSpPr>
+          <p:spPr>
+            <a:xfrm>
+              <a:off x="6743768" y="4350561"/>
+              <a:ext cx="2193323" cy="0"/>
+            </a:xfrm>
+            <a:custGeom>
+              <a:avLst/>
+              <a:pathLst>
+                <a:path w="2193323" h="0">
+                  <a:moveTo>
+                    <a:pt x="0" y="0"/>
+                  </a:moveTo>
+                  <a:lnTo>
+                    <a:pt x="2193323" y="0"/>
+                  </a:lnTo>
+                  <a:lnTo>
+                    <a:pt x="2193323" y="0"/>
+                  </a:lnTo>
+                </a:path>
+              </a:pathLst>
+            </a:custGeom>
+            <a:ln w="13550" cap="flat">
+              <a:solidFill>
+                <a:srgbClr val="EBEBEB">
+                  <a:alpha val="100000"/>
+                </a:srgbClr>
+              </a:solidFill>
+              <a:prstDash val="solid"/>
+              <a:round/>
+            </a:ln>
+          </p:spPr>
+          <p:txBody>
+            <a:bodyPr/>
+            <a:lstStyle/>
+            <a:p/>
+          </p:txBody>
+        </p:sp>
+        <p:sp>
+          <p:nvSpPr>
+            <p:cNvPr id="46" name="pl46"/>
+            <p:cNvSpPr/>
+            <p:nvPr/>
+          </p:nvSpPr>
+          <p:spPr>
+            <a:xfrm>
+              <a:off x="6743768" y="3584521"/>
+              <a:ext cx="2193323" cy="0"/>
+            </a:xfrm>
+            <a:custGeom>
+              <a:avLst/>
+              <a:pathLst>
+                <a:path w="2193323" h="0">
+                  <a:moveTo>
+                    <a:pt x="0" y="0"/>
+                  </a:moveTo>
+                  <a:lnTo>
+                    <a:pt x="2193323" y="0"/>
+                  </a:lnTo>
+                  <a:lnTo>
+                    <a:pt x="2193323" y="0"/>
+                  </a:lnTo>
+                </a:path>
+              </a:pathLst>
+            </a:custGeom>
+            <a:ln w="13550" cap="flat">
+              <a:solidFill>
+                <a:srgbClr val="EBEBEB">
+                  <a:alpha val="100000"/>
+                </a:srgbClr>
+              </a:solidFill>
+              <a:prstDash val="solid"/>
+              <a:round/>
+            </a:ln>
+          </p:spPr>
+          <p:txBody>
+            <a:bodyPr/>
+            <a:lstStyle/>
+            <a:p/>
+          </p:txBody>
+        </p:sp>
+        <p:sp>
+          <p:nvSpPr>
+            <p:cNvPr id="47" name="pl47"/>
+            <p:cNvSpPr/>
+            <p:nvPr/>
+          </p:nvSpPr>
+          <p:spPr>
+            <a:xfrm>
+              <a:off x="6743768" y="2818482"/>
+              <a:ext cx="2193323" cy="0"/>
+            </a:xfrm>
+            <a:custGeom>
+              <a:avLst/>
+              <a:pathLst>
+                <a:path w="2193323" h="0">
+                  <a:moveTo>
+                    <a:pt x="0" y="0"/>
+                  </a:moveTo>
+                  <a:lnTo>
+                    <a:pt x="2193323" y="0"/>
+                  </a:lnTo>
+                  <a:lnTo>
+                    <a:pt x="2193323" y="0"/>
+                  </a:lnTo>
+                </a:path>
+              </a:pathLst>
+            </a:custGeom>
+            <a:ln w="13550" cap="flat">
+              <a:solidFill>
+                <a:srgbClr val="EBEBEB">
+                  <a:alpha val="100000"/>
+                </a:srgbClr>
+              </a:solidFill>
+              <a:prstDash val="solid"/>
+              <a:round/>
+            </a:ln>
+          </p:spPr>
+          <p:txBody>
+            <a:bodyPr/>
+            <a:lstStyle/>
+            <a:p/>
+          </p:txBody>
+        </p:sp>
+        <p:sp>
+          <p:nvSpPr>
+            <p:cNvPr id="48" name="pl48"/>
+            <p:cNvSpPr/>
+            <p:nvPr/>
+          </p:nvSpPr>
+          <p:spPr>
+            <a:xfrm>
+              <a:off x="6743768" y="2052442"/>
+              <a:ext cx="2193323" cy="0"/>
+            </a:xfrm>
+            <a:custGeom>
+              <a:avLst/>
+              <a:pathLst>
+                <a:path w="2193323" h="0">
+                  <a:moveTo>
+                    <a:pt x="0" y="0"/>
+                  </a:moveTo>
+                  <a:lnTo>
+                    <a:pt x="2193323" y="0"/>
+                  </a:lnTo>
+                  <a:lnTo>
+                    <a:pt x="2193323" y="0"/>
+                  </a:lnTo>
+                </a:path>
+              </a:pathLst>
+            </a:custGeom>
+            <a:ln w="13550" cap="flat">
+              <a:solidFill>
+                <a:srgbClr val="EBEBEB">
+                  <a:alpha val="100000"/>
+                </a:srgbClr>
+              </a:solidFill>
+              <a:prstDash val="solid"/>
+              <a:round/>
+            </a:ln>
+          </p:spPr>
+          <p:txBody>
+            <a:bodyPr/>
+            <a:lstStyle/>
+            <a:p/>
+          </p:txBody>
+        </p:sp>
+        <p:sp>
+          <p:nvSpPr>
+            <p:cNvPr id="49" name="pl49"/>
+            <p:cNvSpPr/>
+            <p:nvPr/>
+          </p:nvSpPr>
+          <p:spPr>
+            <a:xfrm>
+              <a:off x="7155017" y="1809173"/>
+              <a:ext cx="0" cy="3464924"/>
+            </a:xfrm>
+            <a:custGeom>
+              <a:avLst/>
+              <a:pathLst>
+                <a:path w="0" h="3464924">
+                  <a:moveTo>
+                    <a:pt x="0" y="3464924"/>
+                  </a:moveTo>
+                  <a:lnTo>
+                    <a:pt x="0" y="0"/>
+                  </a:lnTo>
+                  <a:lnTo>
+                    <a:pt x="0" y="0"/>
+                  </a:lnTo>
+                </a:path>
+              </a:pathLst>
+            </a:custGeom>
+            <a:ln w="13550" cap="flat">
+              <a:solidFill>
+                <a:srgbClr val="EBEBEB">
+                  <a:alpha val="100000"/>
+                </a:srgbClr>
+              </a:solidFill>
+              <a:prstDash val="solid"/>
+              <a:round/>
+            </a:ln>
+          </p:spPr>
+          <p:txBody>
+            <a:bodyPr/>
+            <a:lstStyle/>
+            <a:p/>
+          </p:txBody>
+        </p:sp>
+        <p:sp>
+          <p:nvSpPr>
+            <p:cNvPr id="50" name="pl50"/>
+            <p:cNvSpPr/>
+            <p:nvPr/>
+          </p:nvSpPr>
+          <p:spPr>
+            <a:xfrm>
+              <a:off x="7840430" y="1809173"/>
+              <a:ext cx="0" cy="3464924"/>
+            </a:xfrm>
+            <a:custGeom>
+              <a:avLst/>
+              <a:pathLst>
+                <a:path w="0" h="3464924">
+                  <a:moveTo>
+                    <a:pt x="0" y="3464924"/>
+                  </a:moveTo>
+                  <a:lnTo>
+                    <a:pt x="0" y="0"/>
+                  </a:lnTo>
+                  <a:lnTo>
+                    <a:pt x="0" y="0"/>
+                  </a:lnTo>
+                </a:path>
+              </a:pathLst>
+            </a:custGeom>
+            <a:ln w="13550" cap="flat">
+              <a:solidFill>
+                <a:srgbClr val="EBEBEB">
+                  <a:alpha val="100000"/>
+                </a:srgbClr>
+              </a:solidFill>
+              <a:prstDash val="solid"/>
+              <a:round/>
+            </a:ln>
+          </p:spPr>
+          <p:txBody>
+            <a:bodyPr/>
+            <a:lstStyle/>
+            <a:p/>
+          </p:txBody>
+        </p:sp>
+        <p:sp>
+          <p:nvSpPr>
+            <p:cNvPr id="51" name="pl51"/>
+            <p:cNvSpPr/>
+            <p:nvPr/>
+          </p:nvSpPr>
+          <p:spPr>
+            <a:xfrm>
+              <a:off x="8525844" y="1809173"/>
+              <a:ext cx="0" cy="3464924"/>
+            </a:xfrm>
+            <a:custGeom>
+              <a:avLst/>
+              <a:pathLst>
+                <a:path w="0" h="3464924">
+                  <a:moveTo>
+                    <a:pt x="0" y="3464924"/>
+                  </a:moveTo>
+                  <a:lnTo>
+                    <a:pt x="0" y="0"/>
+                  </a:lnTo>
+                  <a:lnTo>
+                    <a:pt x="0" y="0"/>
+                  </a:lnTo>
+                </a:path>
+              </a:pathLst>
+            </a:custGeom>
+            <a:ln w="13550" cap="flat">
+              <a:solidFill>
+                <a:srgbClr val="EBEBEB">
+                  <a:alpha val="100000"/>
+                </a:srgbClr>
+              </a:solidFill>
+              <a:prstDash val="solid"/>
+              <a:round/>
+            </a:ln>
+          </p:spPr>
+          <p:txBody>
+            <a:bodyPr/>
+            <a:lstStyle/>
+            <a:p/>
+          </p:txBody>
+        </p:sp>
+        <p:sp>
+          <p:nvSpPr>
+            <p:cNvPr id="52" name="rc52"/>
+            <p:cNvSpPr/>
+            <p:nvPr/>
+          </p:nvSpPr>
+          <p:spPr>
+            <a:xfrm>
+              <a:off x="6846580" y="5042943"/>
+              <a:ext cx="616872" cy="73657"/>
+            </a:xfrm>
+            <a:prstGeom prst="rect">
+              <a:avLst/>
+            </a:prstGeom>
+            <a:solidFill>
+              <a:srgbClr val="FEE0D2">
+                <a:alpha val="100000"/>
+              </a:srgbClr>
+            </a:solidFill>
+          </p:spPr>
+          <p:txBody>
+            <a:bodyPr/>
+            <a:lstStyle/>
+            <a:p/>
+          </p:txBody>
+        </p:sp>
+        <p:sp>
+          <p:nvSpPr>
+            <p:cNvPr id="53" name="rc53"/>
+            <p:cNvSpPr/>
+            <p:nvPr/>
+          </p:nvSpPr>
+          <p:spPr>
+            <a:xfrm>
+              <a:off x="7531994" y="4330919"/>
+              <a:ext cx="616872" cy="785681"/>
+            </a:xfrm>
+            <a:prstGeom prst="rect">
+              <a:avLst/>
+            </a:prstGeom>
+            <a:solidFill>
+              <a:srgbClr val="FC9272">
+                <a:alpha val="100000"/>
+              </a:srgbClr>
+            </a:solidFill>
+          </p:spPr>
+          <p:txBody>
+            <a:bodyPr/>
+            <a:lstStyle/>
+            <a:p/>
+          </p:txBody>
+        </p:sp>
+        <p:sp>
+          <p:nvSpPr>
+            <p:cNvPr id="54" name="rc54"/>
+            <p:cNvSpPr/>
+            <p:nvPr/>
+          </p:nvSpPr>
+          <p:spPr>
+            <a:xfrm>
+              <a:off x="8217408" y="2145742"/>
+              <a:ext cx="616872" cy="2970858"/>
+            </a:xfrm>
+            <a:prstGeom prst="rect">
+              <a:avLst/>
+            </a:prstGeom>
+            <a:solidFill>
+              <a:srgbClr val="DE2D26">
+                <a:alpha val="100000"/>
+              </a:srgbClr>
+            </a:solidFill>
+          </p:spPr>
+          <p:txBody>
+            <a:bodyPr/>
+            <a:lstStyle/>
+            <a:p/>
+          </p:txBody>
+        </p:sp>
+        <p:sp>
+          <p:nvSpPr>
+            <p:cNvPr id="55" name="rc55"/>
+            <p:cNvSpPr/>
+            <p:nvPr/>
+          </p:nvSpPr>
+          <p:spPr>
+            <a:xfrm>
+              <a:off x="6743768" y="1809173"/>
+              <a:ext cx="2193323" cy="3464924"/>
+            </a:xfrm>
+            <a:prstGeom prst="rect">
+              <a:avLst/>
+            </a:prstGeom>
+            <a:ln w="13550" cap="rnd">
+              <a:solidFill>
+                <a:srgbClr val="333333">
+                  <a:alpha val="100000"/>
+                </a:srgbClr>
+              </a:solidFill>
+              <a:prstDash val="solid"/>
+              <a:round/>
+            </a:ln>
+          </p:spPr>
+          <p:txBody>
+            <a:bodyPr/>
+            <a:lstStyle/>
+            <a:p/>
+          </p:txBody>
+        </p:sp>
+        <p:sp>
+          <p:nvSpPr>
+            <p:cNvPr id="56" name="rc56"/>
+            <p:cNvSpPr/>
+            <p:nvPr/>
+          </p:nvSpPr>
+          <p:spPr>
+            <a:xfrm>
+              <a:off x="2217943" y="1590617"/>
+              <a:ext cx="2193323" cy="218555"/>
+            </a:xfrm>
+            <a:prstGeom prst="rect">
+              <a:avLst/>
+            </a:prstGeom>
+            <a:solidFill>
+              <a:srgbClr val="D9D9D9">
+                <a:alpha val="100000"/>
+              </a:srgbClr>
+            </a:solidFill>
+            <a:ln w="13550" cap="rnd">
+              <a:solidFill>
+                <a:srgbClr val="333333">
+                  <a:alpha val="100000"/>
+                </a:srgbClr>
+              </a:solidFill>
+              <a:prstDash val="solid"/>
+              <a:round/>
+            </a:ln>
+          </p:spPr>
+          <p:txBody>
+            <a:bodyPr/>
+            <a:lstStyle/>
+            <a:p/>
+          </p:txBody>
+        </p:sp>
+        <p:sp>
+          <p:nvSpPr>
+            <p:cNvPr id="57" name="tx57"/>
+            <p:cNvSpPr/>
+            <p:nvPr/>
+          </p:nvSpPr>
+          <p:spPr>
+            <a:xfrm>
+              <a:off x="3105055" y="1670045"/>
+              <a:ext cx="419100" cy="69850"/>
             </a:xfrm>
             <a:prstGeom prst="rect">
               <a:avLst/>
@@ -4421,30 +5201,65 @@
                 </a:spcAft>
               </a:pPr>
               <a:r>
-                <a:rPr sz="880" b="1">
+                <a:rPr sz="880">
                   <a:solidFill>
-                    <a:srgbClr val="4D4D4D">
+                    <a:srgbClr val="1A1A1A">
                       <a:alpha val="100000"/>
                     </a:srgbClr>
                   </a:solidFill>
                   <a:latin typeface="Arial"/>
                   <a:cs typeface="Arial"/>
                 </a:rPr>
-                <a:t>7</a:t>
+                <a:t>基础研究者</a:t>
               </a:r>
             </a:p>
           </p:txBody>
         </p:sp>
         <p:sp>
           <p:nvSpPr>
-            <p:cNvPr id="37" name="tx37"/>
-            <p:cNvSpPr/>
-            <p:nvPr/>
-          </p:nvSpPr>
-          <p:spPr>
-            <a:xfrm>
-              <a:off x="1926599" y="4697611"/>
-              <a:ext cx="62155" cy="81691"/>
+            <p:cNvPr id="58" name="rc58"/>
+            <p:cNvSpPr/>
+            <p:nvPr/>
+          </p:nvSpPr>
+          <p:spPr>
+            <a:xfrm>
+              <a:off x="4480856" y="1590617"/>
+              <a:ext cx="2193323" cy="218555"/>
+            </a:xfrm>
+            <a:prstGeom prst="rect">
+              <a:avLst/>
+            </a:prstGeom>
+            <a:solidFill>
+              <a:srgbClr val="D9D9D9">
+                <a:alpha val="100000"/>
+              </a:srgbClr>
+            </a:solidFill>
+            <a:ln w="13550" cap="rnd">
+              <a:solidFill>
+                <a:srgbClr val="333333">
+                  <a:alpha val="100000"/>
+                </a:srgbClr>
+              </a:solidFill>
+              <a:prstDash val="solid"/>
+              <a:round/>
+            </a:ln>
+          </p:spPr>
+          <p:txBody>
+            <a:bodyPr/>
+            <a:lstStyle/>
+            <a:p/>
+          </p:txBody>
+        </p:sp>
+        <p:sp>
+          <p:nvSpPr>
+            <p:cNvPr id="59" name="tx59"/>
+            <p:cNvSpPr/>
+            <p:nvPr/>
+          </p:nvSpPr>
+          <p:spPr>
+            <a:xfrm>
+              <a:off x="5409878" y="1670045"/>
+              <a:ext cx="335280" cy="69850"/>
             </a:xfrm>
             <a:prstGeom prst="rect">
               <a:avLst/>
@@ -4467,30 +5282,65 @@
                 </a:spcAft>
               </a:pPr>
               <a:r>
-                <a:rPr sz="880" b="1">
+                <a:rPr sz="880">
                   <a:solidFill>
-                    <a:srgbClr val="4D4D4D">
+                    <a:srgbClr val="1A1A1A">
                       <a:alpha val="100000"/>
                     </a:srgbClr>
                   </a:solidFill>
                   <a:latin typeface="Arial"/>
                   <a:cs typeface="Arial"/>
                 </a:rPr>
-                <a:t>6</a:t>
+                <a:t>临床医生</a:t>
               </a:r>
             </a:p>
           </p:txBody>
         </p:sp>
         <p:sp>
           <p:nvSpPr>
-            <p:cNvPr id="38" name="tx38"/>
-            <p:cNvSpPr/>
-            <p:nvPr/>
-          </p:nvSpPr>
-          <p:spPr>
-            <a:xfrm>
-              <a:off x="1926599" y="4136765"/>
-              <a:ext cx="62155" cy="80272"/>
+            <p:cNvPr id="60" name="rc60"/>
+            <p:cNvSpPr/>
+            <p:nvPr/>
+          </p:nvSpPr>
+          <p:spPr>
+            <a:xfrm>
+              <a:off x="6743768" y="1590617"/>
+              <a:ext cx="2193323" cy="218555"/>
+            </a:xfrm>
+            <a:prstGeom prst="rect">
+              <a:avLst/>
+            </a:prstGeom>
+            <a:solidFill>
+              <a:srgbClr val="D9D9D9">
+                <a:alpha val="100000"/>
+              </a:srgbClr>
+            </a:solidFill>
+            <a:ln w="13550" cap="rnd">
+              <a:solidFill>
+                <a:srgbClr val="333333">
+                  <a:alpha val="100000"/>
+                </a:srgbClr>
+              </a:solidFill>
+              <a:prstDash val="solid"/>
+              <a:round/>
+            </a:ln>
+          </p:spPr>
+          <p:txBody>
+            <a:bodyPr/>
+            <a:lstStyle/>
+            <a:p/>
+          </p:txBody>
+        </p:sp>
+        <p:sp>
+          <p:nvSpPr>
+            <p:cNvPr id="61" name="tx61"/>
+            <p:cNvSpPr/>
+            <p:nvPr/>
+          </p:nvSpPr>
+          <p:spPr>
+            <a:xfrm>
+              <a:off x="7672790" y="1670045"/>
+              <a:ext cx="335280" cy="69850"/>
             </a:xfrm>
             <a:prstGeom prst="rect">
               <a:avLst/>
@@ -4513,231 +5363,47 @@
                 </a:spcAft>
               </a:pPr>
               <a:r>
-                <a:rPr sz="880" b="1">
+                <a:rPr sz="880">
                   <a:solidFill>
-                    <a:srgbClr val="4D4D4D">
+                    <a:srgbClr val="1A1A1A">
                       <a:alpha val="100000"/>
                     </a:srgbClr>
                   </a:solidFill>
                   <a:latin typeface="Arial"/>
                   <a:cs typeface="Arial"/>
                 </a:rPr>
-                <a:t>5</a:t>
+                <a:t>企业人员</a:t>
               </a:r>
             </a:p>
           </p:txBody>
         </p:sp>
         <p:sp>
           <p:nvSpPr>
-            <p:cNvPr id="39" name="tx39"/>
-            <p:cNvSpPr/>
-            <p:nvPr/>
-          </p:nvSpPr>
-          <p:spPr>
-            <a:xfrm>
-              <a:off x="1926599" y="3574445"/>
-              <a:ext cx="62155" cy="80327"/>
-            </a:xfrm>
-            <a:prstGeom prst="rect">
-              <a:avLst/>
-            </a:prstGeom>
-            <a:noFill/>
-          </p:spPr>
-          <p:txBody>
-            <a:bodyPr lIns="0" rIns="0" tIns="0" bIns="0" anchorCtr="1" anchor="ctr" wrap="none"/>
-            <a:lstStyle/>
-            <a:p>
-              <a:pPr algn="l" marL="0" marR="0" indent="0">
-                <a:lnSpc>
-                  <a:spcPts val="880"/>
-                </a:lnSpc>
-                <a:spcBef>
-                  <a:spcPts val="0"/>
-                </a:spcBef>
-                <a:spcAft>
-                  <a:spcPts val="0"/>
-                </a:spcAft>
-              </a:pPr>
-              <a:r>
-                <a:rPr sz="880" b="1">
-                  <a:solidFill>
-                    <a:srgbClr val="4D4D4D">
-                      <a:alpha val="100000"/>
-                    </a:srgbClr>
-                  </a:solidFill>
-                  <a:latin typeface="Arial"/>
-                  <a:cs typeface="Arial"/>
-                </a:rPr>
-                <a:t>4</a:t>
-              </a:r>
-            </a:p>
-          </p:txBody>
-        </p:sp>
-        <p:sp>
-          <p:nvSpPr>
-            <p:cNvPr id="40" name="tx40"/>
-            <p:cNvSpPr/>
-            <p:nvPr/>
-          </p:nvSpPr>
-          <p:spPr>
-            <a:xfrm>
-              <a:off x="1926599" y="3010815"/>
-              <a:ext cx="62155" cy="81691"/>
-            </a:xfrm>
-            <a:prstGeom prst="rect">
-              <a:avLst/>
-            </a:prstGeom>
-            <a:noFill/>
-          </p:spPr>
-          <p:txBody>
-            <a:bodyPr lIns="0" rIns="0" tIns="0" bIns="0" anchorCtr="1" anchor="ctr" wrap="none"/>
-            <a:lstStyle/>
-            <a:p>
-              <a:pPr algn="l" marL="0" marR="0" indent="0">
-                <a:lnSpc>
-                  <a:spcPts val="880"/>
-                </a:lnSpc>
-                <a:spcBef>
-                  <a:spcPts val="0"/>
-                </a:spcBef>
-                <a:spcAft>
-                  <a:spcPts val="0"/>
-                </a:spcAft>
-              </a:pPr>
-              <a:r>
-                <a:rPr sz="880" b="1">
-                  <a:solidFill>
-                    <a:srgbClr val="4D4D4D">
-                      <a:alpha val="100000"/>
-                    </a:srgbClr>
-                  </a:solidFill>
-                  <a:latin typeface="Arial"/>
-                  <a:cs typeface="Arial"/>
-                </a:rPr>
-                <a:t>3</a:t>
-              </a:r>
-            </a:p>
-          </p:txBody>
-        </p:sp>
-        <p:sp>
-          <p:nvSpPr>
-            <p:cNvPr id="41" name="tx41"/>
-            <p:cNvSpPr/>
-            <p:nvPr/>
-          </p:nvSpPr>
-          <p:spPr>
-            <a:xfrm>
-              <a:off x="1926599" y="2449914"/>
-              <a:ext cx="62155" cy="80327"/>
-            </a:xfrm>
-            <a:prstGeom prst="rect">
-              <a:avLst/>
-            </a:prstGeom>
-            <a:noFill/>
-          </p:spPr>
-          <p:txBody>
-            <a:bodyPr lIns="0" rIns="0" tIns="0" bIns="0" anchorCtr="1" anchor="ctr" wrap="none"/>
-            <a:lstStyle/>
-            <a:p>
-              <a:pPr algn="l" marL="0" marR="0" indent="0">
-                <a:lnSpc>
-                  <a:spcPts val="880"/>
-                </a:lnSpc>
-                <a:spcBef>
-                  <a:spcPts val="0"/>
-                </a:spcBef>
-                <a:spcAft>
-                  <a:spcPts val="0"/>
-                </a:spcAft>
-              </a:pPr>
-              <a:r>
-                <a:rPr sz="880" b="1">
-                  <a:solidFill>
-                    <a:srgbClr val="4D4D4D">
-                      <a:alpha val="100000"/>
-                    </a:srgbClr>
-                  </a:solidFill>
-                  <a:latin typeface="Arial"/>
-                  <a:cs typeface="Arial"/>
-                </a:rPr>
-                <a:t>2</a:t>
-              </a:r>
-            </a:p>
-          </p:txBody>
-        </p:sp>
-        <p:sp>
-          <p:nvSpPr>
-            <p:cNvPr id="42" name="tx42"/>
-            <p:cNvSpPr/>
-            <p:nvPr/>
-          </p:nvSpPr>
-          <p:spPr>
-            <a:xfrm>
-              <a:off x="1926599" y="1887649"/>
-              <a:ext cx="62155" cy="80327"/>
-            </a:xfrm>
-            <a:prstGeom prst="rect">
-              <a:avLst/>
-            </a:prstGeom>
-            <a:noFill/>
-          </p:spPr>
-          <p:txBody>
-            <a:bodyPr lIns="0" rIns="0" tIns="0" bIns="0" anchorCtr="1" anchor="ctr" wrap="none"/>
-            <a:lstStyle/>
-            <a:p>
-              <a:pPr algn="l" marL="0" marR="0" indent="0">
-                <a:lnSpc>
-                  <a:spcPts val="880"/>
-                </a:lnSpc>
-                <a:spcBef>
-                  <a:spcPts val="0"/>
-                </a:spcBef>
-                <a:spcAft>
-                  <a:spcPts val="0"/>
-                </a:spcAft>
-              </a:pPr>
-              <a:r>
-                <a:rPr sz="880" b="1">
-                  <a:solidFill>
-                    <a:srgbClr val="4D4D4D">
-                      <a:alpha val="100000"/>
-                    </a:srgbClr>
-                  </a:solidFill>
-                  <a:latin typeface="Arial"/>
-                  <a:cs typeface="Arial"/>
-                </a:rPr>
-                <a:t>1</a:t>
-              </a:r>
-            </a:p>
-          </p:txBody>
-        </p:sp>
-        <p:sp>
-          <p:nvSpPr>
-            <p:cNvPr id="43" name="pl43"/>
-            <p:cNvSpPr/>
-            <p:nvPr/>
-          </p:nvSpPr>
-          <p:spPr>
-            <a:xfrm>
-              <a:off x="1988754" y="5301568"/>
-              <a:ext cx="34794" cy="0"/>
+            <p:cNvPr id="62" name="pl62"/>
+            <p:cNvSpPr/>
+            <p:nvPr/>
+          </p:nvSpPr>
+          <p:spPr>
+            <a:xfrm>
+              <a:off x="2629191" y="5274097"/>
+              <a:ext cx="0" cy="34794"/>
             </a:xfrm>
             <a:custGeom>
               <a:avLst/>
               <a:pathLst>
-                <a:path w="34794" h="0">
+                <a:path w="0" h="34794">
                   <a:moveTo>
+                    <a:pt x="0" y="34794"/>
+                  </a:moveTo>
+                  <a:lnTo>
                     <a:pt x="0" y="0"/>
-                  </a:moveTo>
-                  <a:lnTo>
-                    <a:pt x="34794" y="0"/>
                   </a:lnTo>
                 </a:path>
               </a:pathLst>
             </a:custGeom>
-            <a:ln w="6775" cap="flat">
+            <a:ln w="13550" cap="flat">
               <a:solidFill>
-                <a:srgbClr val="B3B3B3">
+                <a:srgbClr val="333333">
                   <a:alpha val="100000"/>
                 </a:srgbClr>
               </a:solidFill>
@@ -4753,31 +5419,31 @@
         </p:sp>
         <p:sp>
           <p:nvSpPr>
-            <p:cNvPr id="44" name="pl44"/>
-            <p:cNvSpPr/>
-            <p:nvPr/>
-          </p:nvSpPr>
-          <p:spPr>
-            <a:xfrm>
-              <a:off x="1988754" y="4739303"/>
-              <a:ext cx="34794" cy="0"/>
+            <p:cNvPr id="63" name="pl63"/>
+            <p:cNvSpPr/>
+            <p:nvPr/>
+          </p:nvSpPr>
+          <p:spPr>
+            <a:xfrm>
+              <a:off x="3314605" y="5274097"/>
+              <a:ext cx="0" cy="34794"/>
             </a:xfrm>
             <a:custGeom>
               <a:avLst/>
               <a:pathLst>
-                <a:path w="34794" h="0">
+                <a:path w="0" h="34794">
                   <a:moveTo>
+                    <a:pt x="0" y="34794"/>
+                  </a:moveTo>
+                  <a:lnTo>
                     <a:pt x="0" y="0"/>
-                  </a:moveTo>
-                  <a:lnTo>
-                    <a:pt x="34794" y="0"/>
                   </a:lnTo>
                 </a:path>
               </a:pathLst>
             </a:custGeom>
-            <a:ln w="6775" cap="flat">
+            <a:ln w="13550" cap="flat">
               <a:solidFill>
-                <a:srgbClr val="B3B3B3">
+                <a:srgbClr val="333333">
                   <a:alpha val="100000"/>
                 </a:srgbClr>
               </a:solidFill>
@@ -4793,31 +5459,31 @@
         </p:sp>
         <p:sp>
           <p:nvSpPr>
-            <p:cNvPr id="45" name="pl45"/>
-            <p:cNvSpPr/>
-            <p:nvPr/>
-          </p:nvSpPr>
-          <p:spPr>
-            <a:xfrm>
-              <a:off x="1988754" y="4177037"/>
-              <a:ext cx="34794" cy="0"/>
+            <p:cNvPr id="64" name="pl64"/>
+            <p:cNvSpPr/>
+            <p:nvPr/>
+          </p:nvSpPr>
+          <p:spPr>
+            <a:xfrm>
+              <a:off x="4000019" y="5274097"/>
+              <a:ext cx="0" cy="34794"/>
             </a:xfrm>
             <a:custGeom>
               <a:avLst/>
               <a:pathLst>
-                <a:path w="34794" h="0">
+                <a:path w="0" h="34794">
                   <a:moveTo>
+                    <a:pt x="0" y="34794"/>
+                  </a:moveTo>
+                  <a:lnTo>
                     <a:pt x="0" y="0"/>
-                  </a:moveTo>
-                  <a:lnTo>
-                    <a:pt x="34794" y="0"/>
                   </a:lnTo>
                 </a:path>
               </a:pathLst>
             </a:custGeom>
-            <a:ln w="6775" cap="flat">
+            <a:ln w="13550" cap="flat">
               <a:solidFill>
-                <a:srgbClr val="B3B3B3">
+                <a:srgbClr val="333333">
                   <a:alpha val="100000"/>
                 </a:srgbClr>
               </a:solidFill>
@@ -4833,31 +5499,31 @@
         </p:sp>
         <p:sp>
           <p:nvSpPr>
-            <p:cNvPr id="46" name="pl46"/>
-            <p:cNvSpPr/>
-            <p:nvPr/>
-          </p:nvSpPr>
-          <p:spPr>
-            <a:xfrm>
-              <a:off x="1988754" y="3614772"/>
-              <a:ext cx="34794" cy="0"/>
+            <p:cNvPr id="65" name="pl65"/>
+            <p:cNvSpPr/>
+            <p:nvPr/>
+          </p:nvSpPr>
+          <p:spPr>
+            <a:xfrm>
+              <a:off x="4892104" y="5274097"/>
+              <a:ext cx="0" cy="34794"/>
             </a:xfrm>
             <a:custGeom>
               <a:avLst/>
               <a:pathLst>
-                <a:path w="34794" h="0">
+                <a:path w="0" h="34794">
                   <a:moveTo>
+                    <a:pt x="0" y="34794"/>
+                  </a:moveTo>
+                  <a:lnTo>
                     <a:pt x="0" y="0"/>
-                  </a:moveTo>
-                  <a:lnTo>
-                    <a:pt x="34794" y="0"/>
                   </a:lnTo>
                 </a:path>
               </a:pathLst>
             </a:custGeom>
-            <a:ln w="6775" cap="flat">
+            <a:ln w="13550" cap="flat">
               <a:solidFill>
-                <a:srgbClr val="B3B3B3">
+                <a:srgbClr val="333333">
                   <a:alpha val="100000"/>
                 </a:srgbClr>
               </a:solidFill>
@@ -4873,31 +5539,31 @@
         </p:sp>
         <p:sp>
           <p:nvSpPr>
-            <p:cNvPr id="47" name="pl47"/>
-            <p:cNvSpPr/>
-            <p:nvPr/>
-          </p:nvSpPr>
-          <p:spPr>
-            <a:xfrm>
-              <a:off x="1988754" y="3052507"/>
-              <a:ext cx="34794" cy="0"/>
+            <p:cNvPr id="66" name="pl66"/>
+            <p:cNvSpPr/>
+            <p:nvPr/>
+          </p:nvSpPr>
+          <p:spPr>
+            <a:xfrm>
+              <a:off x="5577518" y="5274097"/>
+              <a:ext cx="0" cy="34794"/>
             </a:xfrm>
             <a:custGeom>
               <a:avLst/>
               <a:pathLst>
-                <a:path w="34794" h="0">
+                <a:path w="0" h="34794">
                   <a:moveTo>
+                    <a:pt x="0" y="34794"/>
+                  </a:moveTo>
+                  <a:lnTo>
                     <a:pt x="0" y="0"/>
-                  </a:moveTo>
-                  <a:lnTo>
-                    <a:pt x="34794" y="0"/>
                   </a:lnTo>
                 </a:path>
               </a:pathLst>
             </a:custGeom>
-            <a:ln w="6775" cap="flat">
+            <a:ln w="13550" cap="flat">
               <a:solidFill>
-                <a:srgbClr val="B3B3B3">
+                <a:srgbClr val="333333">
                   <a:alpha val="100000"/>
                 </a:srgbClr>
               </a:solidFill>
@@ -4913,31 +5579,31 @@
         </p:sp>
         <p:sp>
           <p:nvSpPr>
-            <p:cNvPr id="48" name="pl48"/>
-            <p:cNvSpPr/>
-            <p:nvPr/>
-          </p:nvSpPr>
-          <p:spPr>
-            <a:xfrm>
-              <a:off x="1988754" y="2490241"/>
-              <a:ext cx="34794" cy="0"/>
+            <p:cNvPr id="67" name="pl67"/>
+            <p:cNvSpPr/>
+            <p:nvPr/>
+          </p:nvSpPr>
+          <p:spPr>
+            <a:xfrm>
+              <a:off x="6262931" y="5274097"/>
+              <a:ext cx="0" cy="34794"/>
             </a:xfrm>
             <a:custGeom>
               <a:avLst/>
               <a:pathLst>
-                <a:path w="34794" h="0">
+                <a:path w="0" h="34794">
                   <a:moveTo>
+                    <a:pt x="0" y="34794"/>
+                  </a:moveTo>
+                  <a:lnTo>
                     <a:pt x="0" y="0"/>
-                  </a:moveTo>
-                  <a:lnTo>
-                    <a:pt x="34794" y="0"/>
                   </a:lnTo>
                 </a:path>
               </a:pathLst>
             </a:custGeom>
-            <a:ln w="6775" cap="flat">
+            <a:ln w="13550" cap="flat">
               <a:solidFill>
-                <a:srgbClr val="B3B3B3">
+                <a:srgbClr val="333333">
                   <a:alpha val="100000"/>
                 </a:srgbClr>
               </a:solidFill>
@@ -4953,31 +5619,31 @@
         </p:sp>
         <p:sp>
           <p:nvSpPr>
-            <p:cNvPr id="49" name="pl49"/>
-            <p:cNvSpPr/>
-            <p:nvPr/>
-          </p:nvSpPr>
-          <p:spPr>
-            <a:xfrm>
-              <a:off x="1988754" y="1927976"/>
-              <a:ext cx="34794" cy="0"/>
+            <p:cNvPr id="68" name="pl68"/>
+            <p:cNvSpPr/>
+            <p:nvPr/>
+          </p:nvSpPr>
+          <p:spPr>
+            <a:xfrm>
+              <a:off x="7155017" y="5274097"/>
+              <a:ext cx="0" cy="34794"/>
             </a:xfrm>
             <a:custGeom>
               <a:avLst/>
               <a:pathLst>
-                <a:path w="34794" h="0">
+                <a:path w="0" h="34794">
                   <a:moveTo>
+                    <a:pt x="0" y="34794"/>
+                  </a:moveTo>
+                  <a:lnTo>
                     <a:pt x="0" y="0"/>
-                  </a:moveTo>
-                  <a:lnTo>
-                    <a:pt x="34794" y="0"/>
                   </a:lnTo>
                 </a:path>
               </a:pathLst>
             </a:custGeom>
-            <a:ln w="6775" cap="flat">
+            <a:ln w="13550" cap="flat">
               <a:solidFill>
-                <a:srgbClr val="B3B3B3">
+                <a:srgbClr val="333333">
                   <a:alpha val="100000"/>
                 </a:srgbClr>
               </a:solidFill>
@@ -4993,13 +5659,13 @@
         </p:sp>
         <p:sp>
           <p:nvSpPr>
-            <p:cNvPr id="50" name="pl50"/>
-            <p:cNvSpPr/>
-            <p:nvPr/>
-          </p:nvSpPr>
-          <p:spPr>
-            <a:xfrm>
-              <a:off x="2023549" y="5638927"/>
+            <p:cNvPr id="69" name="pl69"/>
+            <p:cNvSpPr/>
+            <p:nvPr/>
+          </p:nvSpPr>
+          <p:spPr>
+            <a:xfrm>
+              <a:off x="7840430" y="5274097"/>
               <a:ext cx="0" cy="34794"/>
             </a:xfrm>
             <a:custGeom>
@@ -5015,9 +5681,9 @@
                 </a:path>
               </a:pathLst>
             </a:custGeom>
-            <a:ln w="6775" cap="flat">
+            <a:ln w="13550" cap="flat">
               <a:solidFill>
-                <a:srgbClr val="B3B3B3">
+                <a:srgbClr val="333333">
                   <a:alpha val="100000"/>
                 </a:srgbClr>
               </a:solidFill>
@@ -5033,13 +5699,13 @@
         </p:sp>
         <p:sp>
           <p:nvSpPr>
-            <p:cNvPr id="51" name="pl51"/>
-            <p:cNvSpPr/>
-            <p:nvPr/>
-          </p:nvSpPr>
-          <p:spPr>
-            <a:xfrm>
-              <a:off x="3934994" y="5638927"/>
+            <p:cNvPr id="70" name="pl70"/>
+            <p:cNvSpPr/>
+            <p:nvPr/>
+          </p:nvSpPr>
+          <p:spPr>
+            <a:xfrm>
+              <a:off x="8525844" y="5274097"/>
               <a:ext cx="0" cy="34794"/>
             </a:xfrm>
             <a:custGeom>
@@ -5055,9 +5721,9 @@
                 </a:path>
               </a:pathLst>
             </a:custGeom>
-            <a:ln w="6775" cap="flat">
+            <a:ln w="13550" cap="flat">
               <a:solidFill>
-                <a:srgbClr val="B3B3B3">
+                <a:srgbClr val="333333">
                   <a:alpha val="100000"/>
                 </a:srgbClr>
               </a:solidFill>
@@ -5073,94 +5739,14 @@
         </p:sp>
         <p:sp>
           <p:nvSpPr>
-            <p:cNvPr id="52" name="pl52"/>
-            <p:cNvSpPr/>
-            <p:nvPr/>
-          </p:nvSpPr>
-          <p:spPr>
-            <a:xfrm>
-              <a:off x="5846439" y="5638927"/>
-              <a:ext cx="0" cy="34794"/>
-            </a:xfrm>
-            <a:custGeom>
-              <a:avLst/>
-              <a:pathLst>
-                <a:path w="0" h="34794">
-                  <a:moveTo>
-                    <a:pt x="0" y="34794"/>
-                  </a:moveTo>
-                  <a:lnTo>
-                    <a:pt x="0" y="0"/>
-                  </a:lnTo>
-                </a:path>
-              </a:pathLst>
-            </a:custGeom>
-            <a:ln w="6775" cap="flat">
-              <a:solidFill>
-                <a:srgbClr val="B3B3B3">
-                  <a:alpha val="100000"/>
-                </a:srgbClr>
-              </a:solidFill>
-              <a:prstDash val="solid"/>
-              <a:round/>
-            </a:ln>
-          </p:spPr>
-          <p:txBody>
-            <a:bodyPr/>
-            <a:lstStyle/>
-            <a:p/>
-          </p:txBody>
-        </p:sp>
-        <p:sp>
-          <p:nvSpPr>
-            <p:cNvPr id="53" name="pl53"/>
-            <p:cNvSpPr/>
-            <p:nvPr/>
-          </p:nvSpPr>
-          <p:spPr>
-            <a:xfrm>
-              <a:off x="7757883" y="5638927"/>
-              <a:ext cx="0" cy="34794"/>
-            </a:xfrm>
-            <a:custGeom>
-              <a:avLst/>
-              <a:pathLst>
-                <a:path w="0" h="34794">
-                  <a:moveTo>
-                    <a:pt x="0" y="34794"/>
-                  </a:moveTo>
-                  <a:lnTo>
-                    <a:pt x="0" y="0"/>
-                  </a:lnTo>
-                </a:path>
-              </a:pathLst>
-            </a:custGeom>
-            <a:ln w="6775" cap="flat">
-              <a:solidFill>
-                <a:srgbClr val="B3B3B3">
-                  <a:alpha val="100000"/>
-                </a:srgbClr>
-              </a:solidFill>
-              <a:prstDash val="solid"/>
-              <a:round/>
-            </a:ln>
-          </p:spPr>
-          <p:txBody>
-            <a:bodyPr/>
-            <a:lstStyle/>
-            <a:p/>
-          </p:txBody>
-        </p:sp>
-        <p:sp>
-          <p:nvSpPr>
-            <p:cNvPr id="54" name="tx54"/>
-            <p:cNvSpPr/>
-            <p:nvPr/>
-          </p:nvSpPr>
-          <p:spPr>
-            <a:xfrm>
-              <a:off x="1992471" y="5699866"/>
-              <a:ext cx="62155" cy="81691"/>
+            <p:cNvPr id="71" name="tx71"/>
+            <p:cNvSpPr/>
+            <p:nvPr/>
+          </p:nvSpPr>
+          <p:spPr>
+            <a:xfrm>
+              <a:off x="1993785" y="5072289"/>
+              <a:ext cx="161528" cy="84311"/>
             </a:xfrm>
             <a:prstGeom prst="rect">
               <a:avLst/>
@@ -5192,21 +5778,21 @@
                   <a:latin typeface="Arial"/>
                   <a:cs typeface="Arial"/>
                 </a:rPr>
-                <a:t>0</a:t>
+                <a:t>0%</a:t>
               </a:r>
             </a:p>
           </p:txBody>
         </p:sp>
         <p:sp>
           <p:nvSpPr>
-            <p:cNvPr id="55" name="tx55"/>
-            <p:cNvSpPr/>
-            <p:nvPr/>
-          </p:nvSpPr>
-          <p:spPr>
-            <a:xfrm>
-              <a:off x="3810682" y="5699866"/>
-              <a:ext cx="248622" cy="81691"/>
+            <p:cNvPr id="72" name="tx72"/>
+            <p:cNvSpPr/>
+            <p:nvPr/>
+          </p:nvSpPr>
+          <p:spPr>
+            <a:xfrm>
+              <a:off x="1931629" y="4306250"/>
+              <a:ext cx="223683" cy="84311"/>
             </a:xfrm>
             <a:prstGeom prst="rect">
               <a:avLst/>
@@ -5238,21 +5824,21 @@
                   <a:latin typeface="Arial"/>
                   <a:cs typeface="Arial"/>
                 </a:rPr>
-                <a:t>1000</a:t>
+                <a:t>20%</a:t>
               </a:r>
             </a:p>
           </p:txBody>
         </p:sp>
         <p:sp>
           <p:nvSpPr>
-            <p:cNvPr id="56" name="tx56"/>
-            <p:cNvSpPr/>
-            <p:nvPr/>
-          </p:nvSpPr>
-          <p:spPr>
-            <a:xfrm>
-              <a:off x="5722127" y="5699866"/>
-              <a:ext cx="248622" cy="81691"/>
+            <p:cNvPr id="73" name="tx73"/>
+            <p:cNvSpPr/>
+            <p:nvPr/>
+          </p:nvSpPr>
+          <p:spPr>
+            <a:xfrm>
+              <a:off x="1931629" y="3540210"/>
+              <a:ext cx="223683" cy="84311"/>
             </a:xfrm>
             <a:prstGeom prst="rect">
               <a:avLst/>
@@ -5284,21 +5870,21 @@
                   <a:latin typeface="Arial"/>
                   <a:cs typeface="Arial"/>
                 </a:rPr>
-                <a:t>2000</a:t>
+                <a:t>40%</a:t>
               </a:r>
             </a:p>
           </p:txBody>
         </p:sp>
         <p:sp>
           <p:nvSpPr>
-            <p:cNvPr id="57" name="tx57"/>
-            <p:cNvSpPr/>
-            <p:nvPr/>
-          </p:nvSpPr>
-          <p:spPr>
-            <a:xfrm>
-              <a:off x="7633572" y="5699811"/>
-              <a:ext cx="248622" cy="81746"/>
+            <p:cNvPr id="74" name="tx74"/>
+            <p:cNvSpPr/>
+            <p:nvPr/>
+          </p:nvSpPr>
+          <p:spPr>
+            <a:xfrm>
+              <a:off x="1931629" y="2774170"/>
+              <a:ext cx="223683" cy="84311"/>
             </a:xfrm>
             <a:prstGeom prst="rect">
               <a:avLst/>
@@ -5330,7 +5916,573 @@
                   <a:latin typeface="Arial"/>
                   <a:cs typeface="Arial"/>
                 </a:rPr>
-                <a:t>3000</a:t>
+                <a:t>60%</a:t>
+              </a:r>
+            </a:p>
+          </p:txBody>
+        </p:sp>
+        <p:sp>
+          <p:nvSpPr>
+            <p:cNvPr id="75" name="tx75"/>
+            <p:cNvSpPr/>
+            <p:nvPr/>
+          </p:nvSpPr>
+          <p:spPr>
+            <a:xfrm>
+              <a:off x="1931629" y="2008131"/>
+              <a:ext cx="223683" cy="84311"/>
+            </a:xfrm>
+            <a:prstGeom prst="rect">
+              <a:avLst/>
+            </a:prstGeom>
+            <a:noFill/>
+          </p:spPr>
+          <p:txBody>
+            <a:bodyPr lIns="0" rIns="0" tIns="0" bIns="0" anchorCtr="1" anchor="ctr" wrap="none"/>
+            <a:lstStyle/>
+            <a:p>
+              <a:pPr algn="l" marL="0" marR="0" indent="0">
+                <a:lnSpc>
+                  <a:spcPts val="880"/>
+                </a:lnSpc>
+                <a:spcBef>
+                  <a:spcPts val="0"/>
+                </a:spcBef>
+                <a:spcAft>
+                  <a:spcPts val="0"/>
+                </a:spcAft>
+              </a:pPr>
+              <a:r>
+                <a:rPr sz="880">
+                  <a:solidFill>
+                    <a:srgbClr val="4D4D4D">
+                      <a:alpha val="100000"/>
+                    </a:srgbClr>
+                  </a:solidFill>
+                  <a:latin typeface="Arial"/>
+                  <a:cs typeface="Arial"/>
+                </a:rPr>
+                <a:t>80%</a:t>
+              </a:r>
+            </a:p>
+          </p:txBody>
+        </p:sp>
+        <p:sp>
+          <p:nvSpPr>
+            <p:cNvPr id="76" name="pl76"/>
+            <p:cNvSpPr/>
+            <p:nvPr/>
+          </p:nvSpPr>
+          <p:spPr>
+            <a:xfrm>
+              <a:off x="2183149" y="5116600"/>
+              <a:ext cx="34794" cy="0"/>
+            </a:xfrm>
+            <a:custGeom>
+              <a:avLst/>
+              <a:pathLst>
+                <a:path w="34794" h="0">
+                  <a:moveTo>
+                    <a:pt x="0" y="0"/>
+                  </a:moveTo>
+                  <a:lnTo>
+                    <a:pt x="34794" y="0"/>
+                  </a:lnTo>
+                </a:path>
+              </a:pathLst>
+            </a:custGeom>
+            <a:ln w="13550" cap="flat">
+              <a:solidFill>
+                <a:srgbClr val="333333">
+                  <a:alpha val="100000"/>
+                </a:srgbClr>
+              </a:solidFill>
+              <a:prstDash val="solid"/>
+              <a:round/>
+            </a:ln>
+          </p:spPr>
+          <p:txBody>
+            <a:bodyPr/>
+            <a:lstStyle/>
+            <a:p/>
+          </p:txBody>
+        </p:sp>
+        <p:sp>
+          <p:nvSpPr>
+            <p:cNvPr id="77" name="pl77"/>
+            <p:cNvSpPr/>
+            <p:nvPr/>
+          </p:nvSpPr>
+          <p:spPr>
+            <a:xfrm>
+              <a:off x="2183149" y="4350561"/>
+              <a:ext cx="34794" cy="0"/>
+            </a:xfrm>
+            <a:custGeom>
+              <a:avLst/>
+              <a:pathLst>
+                <a:path w="34794" h="0">
+                  <a:moveTo>
+                    <a:pt x="0" y="0"/>
+                  </a:moveTo>
+                  <a:lnTo>
+                    <a:pt x="34794" y="0"/>
+                  </a:lnTo>
+                </a:path>
+              </a:pathLst>
+            </a:custGeom>
+            <a:ln w="13550" cap="flat">
+              <a:solidFill>
+                <a:srgbClr val="333333">
+                  <a:alpha val="100000"/>
+                </a:srgbClr>
+              </a:solidFill>
+              <a:prstDash val="solid"/>
+              <a:round/>
+            </a:ln>
+          </p:spPr>
+          <p:txBody>
+            <a:bodyPr/>
+            <a:lstStyle/>
+            <a:p/>
+          </p:txBody>
+        </p:sp>
+        <p:sp>
+          <p:nvSpPr>
+            <p:cNvPr id="78" name="pl78"/>
+            <p:cNvSpPr/>
+            <p:nvPr/>
+          </p:nvSpPr>
+          <p:spPr>
+            <a:xfrm>
+              <a:off x="2183149" y="3584521"/>
+              <a:ext cx="34794" cy="0"/>
+            </a:xfrm>
+            <a:custGeom>
+              <a:avLst/>
+              <a:pathLst>
+                <a:path w="34794" h="0">
+                  <a:moveTo>
+                    <a:pt x="0" y="0"/>
+                  </a:moveTo>
+                  <a:lnTo>
+                    <a:pt x="34794" y="0"/>
+                  </a:lnTo>
+                </a:path>
+              </a:pathLst>
+            </a:custGeom>
+            <a:ln w="13550" cap="flat">
+              <a:solidFill>
+                <a:srgbClr val="333333">
+                  <a:alpha val="100000"/>
+                </a:srgbClr>
+              </a:solidFill>
+              <a:prstDash val="solid"/>
+              <a:round/>
+            </a:ln>
+          </p:spPr>
+          <p:txBody>
+            <a:bodyPr/>
+            <a:lstStyle/>
+            <a:p/>
+          </p:txBody>
+        </p:sp>
+        <p:sp>
+          <p:nvSpPr>
+            <p:cNvPr id="79" name="pl79"/>
+            <p:cNvSpPr/>
+            <p:nvPr/>
+          </p:nvSpPr>
+          <p:spPr>
+            <a:xfrm>
+              <a:off x="2183149" y="2818482"/>
+              <a:ext cx="34794" cy="0"/>
+            </a:xfrm>
+            <a:custGeom>
+              <a:avLst/>
+              <a:pathLst>
+                <a:path w="34794" h="0">
+                  <a:moveTo>
+                    <a:pt x="0" y="0"/>
+                  </a:moveTo>
+                  <a:lnTo>
+                    <a:pt x="34794" y="0"/>
+                  </a:lnTo>
+                </a:path>
+              </a:pathLst>
+            </a:custGeom>
+            <a:ln w="13550" cap="flat">
+              <a:solidFill>
+                <a:srgbClr val="333333">
+                  <a:alpha val="100000"/>
+                </a:srgbClr>
+              </a:solidFill>
+              <a:prstDash val="solid"/>
+              <a:round/>
+            </a:ln>
+          </p:spPr>
+          <p:txBody>
+            <a:bodyPr/>
+            <a:lstStyle/>
+            <a:p/>
+          </p:txBody>
+        </p:sp>
+        <p:sp>
+          <p:nvSpPr>
+            <p:cNvPr id="80" name="pl80"/>
+            <p:cNvSpPr/>
+            <p:nvPr/>
+          </p:nvSpPr>
+          <p:spPr>
+            <a:xfrm>
+              <a:off x="2183149" y="2052442"/>
+              <a:ext cx="34794" cy="0"/>
+            </a:xfrm>
+            <a:custGeom>
+              <a:avLst/>
+              <a:pathLst>
+                <a:path w="34794" h="0">
+                  <a:moveTo>
+                    <a:pt x="0" y="0"/>
+                  </a:moveTo>
+                  <a:lnTo>
+                    <a:pt x="34794" y="0"/>
+                  </a:lnTo>
+                </a:path>
+              </a:pathLst>
+            </a:custGeom>
+            <a:ln w="13550" cap="flat">
+              <a:solidFill>
+                <a:srgbClr val="333333">
+                  <a:alpha val="100000"/>
+                </a:srgbClr>
+              </a:solidFill>
+              <a:prstDash val="solid"/>
+              <a:round/>
+            </a:ln>
+          </p:spPr>
+          <p:txBody>
+            <a:bodyPr/>
+            <a:lstStyle/>
+            <a:p/>
+          </p:txBody>
+        </p:sp>
+        <p:sp>
+          <p:nvSpPr>
+            <p:cNvPr id="81" name="rc81"/>
+            <p:cNvSpPr/>
+            <p:nvPr/>
+          </p:nvSpPr>
+          <p:spPr>
+            <a:xfrm>
+              <a:off x="3921389" y="5613598"/>
+              <a:ext cx="3312256" cy="358634"/>
+            </a:xfrm>
+            <a:prstGeom prst="rect">
+              <a:avLst/>
+            </a:prstGeom>
+            <a:solidFill>
+              <a:srgbClr val="FFFFFF">
+                <a:alpha val="100000"/>
+              </a:srgbClr>
+            </a:solidFill>
+          </p:spPr>
+          <p:txBody>
+            <a:bodyPr/>
+            <a:lstStyle/>
+            <a:p/>
+          </p:txBody>
+        </p:sp>
+        <p:sp>
+          <p:nvSpPr>
+            <p:cNvPr id="82" name="rc82"/>
+            <p:cNvSpPr/>
+            <p:nvPr/>
+          </p:nvSpPr>
+          <p:spPr>
+            <a:xfrm>
+              <a:off x="4060567" y="5683187"/>
+              <a:ext cx="219455" cy="219455"/>
+            </a:xfrm>
+            <a:prstGeom prst="rect">
+              <a:avLst/>
+            </a:prstGeom>
+            <a:solidFill>
+              <a:srgbClr val="FFFFFF">
+                <a:alpha val="100000"/>
+              </a:srgbClr>
+            </a:solidFill>
+          </p:spPr>
+          <p:txBody>
+            <a:bodyPr/>
+            <a:lstStyle/>
+            <a:p/>
+          </p:txBody>
+        </p:sp>
+        <p:sp>
+          <p:nvSpPr>
+            <p:cNvPr id="83" name="rc83"/>
+            <p:cNvSpPr/>
+            <p:nvPr/>
+          </p:nvSpPr>
+          <p:spPr>
+            <a:xfrm>
+              <a:off x="4069567" y="5692187"/>
+              <a:ext cx="201456" cy="201456"/>
+            </a:xfrm>
+            <a:prstGeom prst="rect">
+              <a:avLst/>
+            </a:prstGeom>
+            <a:solidFill>
+              <a:srgbClr val="FEE0D2">
+                <a:alpha val="100000"/>
+              </a:srgbClr>
+            </a:solidFill>
+          </p:spPr>
+          <p:txBody>
+            <a:bodyPr/>
+            <a:lstStyle/>
+            <a:p/>
+          </p:txBody>
+        </p:sp>
+        <p:sp>
+          <p:nvSpPr>
+            <p:cNvPr id="84" name="rc84"/>
+            <p:cNvSpPr/>
+            <p:nvPr/>
+          </p:nvSpPr>
+          <p:spPr>
+            <a:xfrm>
+              <a:off x="4895832" y="5683187"/>
+              <a:ext cx="219456" cy="219455"/>
+            </a:xfrm>
+            <a:prstGeom prst="rect">
+              <a:avLst/>
+            </a:prstGeom>
+            <a:solidFill>
+              <a:srgbClr val="FFFFFF">
+                <a:alpha val="100000"/>
+              </a:srgbClr>
+            </a:solidFill>
+          </p:spPr>
+          <p:txBody>
+            <a:bodyPr/>
+            <a:lstStyle/>
+            <a:p/>
+          </p:txBody>
+        </p:sp>
+        <p:sp>
+          <p:nvSpPr>
+            <p:cNvPr id="85" name="rc85"/>
+            <p:cNvSpPr/>
+            <p:nvPr/>
+          </p:nvSpPr>
+          <p:spPr>
+            <a:xfrm>
+              <a:off x="4904832" y="5692187"/>
+              <a:ext cx="201456" cy="201456"/>
+            </a:xfrm>
+            <a:prstGeom prst="rect">
+              <a:avLst/>
+            </a:prstGeom>
+            <a:solidFill>
+              <a:srgbClr val="FC9272">
+                <a:alpha val="100000"/>
+              </a:srgbClr>
+            </a:solidFill>
+          </p:spPr>
+          <p:txBody>
+            <a:bodyPr/>
+            <a:lstStyle/>
+            <a:p/>
+          </p:txBody>
+        </p:sp>
+        <p:sp>
+          <p:nvSpPr>
+            <p:cNvPr id="86" name="rc86"/>
+            <p:cNvSpPr/>
+            <p:nvPr/>
+          </p:nvSpPr>
+          <p:spPr>
+            <a:xfrm>
+              <a:off x="6112402" y="5683187"/>
+              <a:ext cx="219455" cy="219455"/>
+            </a:xfrm>
+            <a:prstGeom prst="rect">
+              <a:avLst/>
+            </a:prstGeom>
+            <a:solidFill>
+              <a:srgbClr val="FFFFFF">
+                <a:alpha val="100000"/>
+              </a:srgbClr>
+            </a:solidFill>
+          </p:spPr>
+          <p:txBody>
+            <a:bodyPr/>
+            <a:lstStyle/>
+            <a:p/>
+          </p:txBody>
+        </p:sp>
+        <p:sp>
+          <p:nvSpPr>
+            <p:cNvPr id="87" name="rc87"/>
+            <p:cNvSpPr/>
+            <p:nvPr/>
+          </p:nvSpPr>
+          <p:spPr>
+            <a:xfrm>
+              <a:off x="6121402" y="5692187"/>
+              <a:ext cx="201456" cy="201456"/>
+            </a:xfrm>
+            <a:prstGeom prst="rect">
+              <a:avLst/>
+            </a:prstGeom>
+            <a:solidFill>
+              <a:srgbClr val="DE2D26">
+                <a:alpha val="100000"/>
+              </a:srgbClr>
+            </a:solidFill>
+          </p:spPr>
+          <p:txBody>
+            <a:bodyPr/>
+            <a:lstStyle/>
+            <a:p/>
+          </p:txBody>
+        </p:sp>
+        <p:sp>
+          <p:nvSpPr>
+            <p:cNvPr id="88" name="tx88"/>
+            <p:cNvSpPr/>
+            <p:nvPr/>
+          </p:nvSpPr>
+          <p:spPr>
+            <a:xfrm>
+              <a:off x="4349612" y="5763065"/>
+              <a:ext cx="419100" cy="69850"/>
+            </a:xfrm>
+            <a:prstGeom prst="rect">
+              <a:avLst/>
+            </a:prstGeom>
+            <a:noFill/>
+          </p:spPr>
+          <p:txBody>
+            <a:bodyPr lIns="0" rIns="0" tIns="0" bIns="0" anchorCtr="1" anchor="ctr" wrap="none"/>
+            <a:lstStyle/>
+            <a:p>
+              <a:pPr algn="l" marL="0" marR="0" indent="0">
+                <a:lnSpc>
+                  <a:spcPts val="880"/>
+                </a:lnSpc>
+                <a:spcBef>
+                  <a:spcPts val="0"/>
+                </a:spcBef>
+                <a:spcAft>
+                  <a:spcPts val="0"/>
+                </a:spcAft>
+              </a:pPr>
+              <a:r>
+                <a:rPr sz="880">
+                  <a:solidFill>
+                    <a:srgbClr val="000000">
+                      <a:alpha val="100000"/>
+                    </a:srgbClr>
+                  </a:solidFill>
+                  <a:latin typeface="Arial"/>
+                  <a:cs typeface="Arial"/>
+                </a:rPr>
+                <a:t>可以不标注</a:t>
+              </a:r>
+            </a:p>
+          </p:txBody>
+        </p:sp>
+        <p:sp>
+          <p:nvSpPr>
+            <p:cNvPr id="89" name="tx89"/>
+            <p:cNvSpPr/>
+            <p:nvPr/>
+          </p:nvSpPr>
+          <p:spPr>
+            <a:xfrm>
+              <a:off x="5184877" y="5763065"/>
+              <a:ext cx="754380" cy="69850"/>
+            </a:xfrm>
+            <a:prstGeom prst="rect">
+              <a:avLst/>
+            </a:prstGeom>
+            <a:noFill/>
+          </p:spPr>
+          <p:txBody>
+            <a:bodyPr lIns="0" rIns="0" tIns="0" bIns="0" anchorCtr="1" anchor="ctr" wrap="none"/>
+            <a:lstStyle/>
+            <a:p>
+              <a:pPr algn="l" marL="0" marR="0" indent="0">
+                <a:lnSpc>
+                  <a:spcPts val="880"/>
+                </a:lnSpc>
+                <a:spcBef>
+                  <a:spcPts val="0"/>
+                </a:spcBef>
+                <a:spcAft>
+                  <a:spcPts val="0"/>
+                </a:spcAft>
+              </a:pPr>
+              <a:r>
+                <a:rPr sz="880">
+                  <a:solidFill>
+                    <a:srgbClr val="000000">
+                      <a:alpha val="100000"/>
+                    </a:srgbClr>
+                  </a:solidFill>
+                  <a:latin typeface="Arial"/>
+                  <a:cs typeface="Arial"/>
+                </a:rPr>
+                <a:t>可以只标示核心菌株</a:t>
+              </a:r>
+            </a:p>
+          </p:txBody>
+        </p:sp>
+        <p:sp>
+          <p:nvSpPr>
+            <p:cNvPr id="90" name="tx90"/>
+            <p:cNvSpPr/>
+            <p:nvPr/>
+          </p:nvSpPr>
+          <p:spPr>
+            <a:xfrm>
+              <a:off x="6401447" y="5763065"/>
+              <a:ext cx="670560" cy="69850"/>
+            </a:xfrm>
+            <a:prstGeom prst="rect">
+              <a:avLst/>
+            </a:prstGeom>
+            <a:noFill/>
+          </p:spPr>
+          <p:txBody>
+            <a:bodyPr lIns="0" rIns="0" tIns="0" bIns="0" anchorCtr="1" anchor="ctr" wrap="none"/>
+            <a:lstStyle/>
+            <a:p>
+              <a:pPr algn="l" marL="0" marR="0" indent="0">
+                <a:lnSpc>
+                  <a:spcPts val="880"/>
+                </a:lnSpc>
+                <a:spcBef>
+                  <a:spcPts val="0"/>
+                </a:spcBef>
+                <a:spcAft>
+                  <a:spcPts val="0"/>
+                </a:spcAft>
+              </a:pPr>
+              <a:r>
+                <a:rPr sz="880">
+                  <a:solidFill>
+                    <a:srgbClr val="000000">
+                      <a:alpha val="100000"/>
+                    </a:srgbClr>
+                  </a:solidFill>
+                  <a:latin typeface="Arial"/>
+                  <a:cs typeface="Arial"/>
+                </a:rPr>
+                <a:t>应该标注全部菌株</a:t>
               </a:r>
             </a:p>
           </p:txBody>
